--- a/study/7.IdGenerator/Study PPT.pptx
+++ b/study/7.IdGenerator/Study PPT.pptx
@@ -264,7 +264,7 @@
           <a:p>
             <a:fld id="{7283A0E2-A24A-E04A-9CC6-978E95CF7822}" type="datetimeFigureOut">
               <a:rPr kumimoji="1" lang="ko-KR" altLang="en-US" smtClean="0"/>
-              <a:t>2024. 6. 12.</a:t>
+              <a:t>2024-06-12</a:t>
             </a:fld>
             <a:endParaRPr kumimoji="1" lang="ko-KR" altLang="en-US"/>
           </a:p>
@@ -462,7 +462,7 @@
           <a:p>
             <a:fld id="{7283A0E2-A24A-E04A-9CC6-978E95CF7822}" type="datetimeFigureOut">
               <a:rPr kumimoji="1" lang="ko-KR" altLang="en-US" smtClean="0"/>
-              <a:t>2024. 6. 12.</a:t>
+              <a:t>2024-06-12</a:t>
             </a:fld>
             <a:endParaRPr kumimoji="1" lang="ko-KR" altLang="en-US"/>
           </a:p>
@@ -670,7 +670,7 @@
           <a:p>
             <a:fld id="{7283A0E2-A24A-E04A-9CC6-978E95CF7822}" type="datetimeFigureOut">
               <a:rPr kumimoji="1" lang="ko-KR" altLang="en-US" smtClean="0"/>
-              <a:t>2024. 6. 12.</a:t>
+              <a:t>2024-06-12</a:t>
             </a:fld>
             <a:endParaRPr kumimoji="1" lang="ko-KR" altLang="en-US"/>
           </a:p>
@@ -868,7 +868,7 @@
           <a:p>
             <a:fld id="{7283A0E2-A24A-E04A-9CC6-978E95CF7822}" type="datetimeFigureOut">
               <a:rPr kumimoji="1" lang="ko-KR" altLang="en-US" smtClean="0"/>
-              <a:t>2024. 6. 12.</a:t>
+              <a:t>2024-06-12</a:t>
             </a:fld>
             <a:endParaRPr kumimoji="1" lang="ko-KR" altLang="en-US"/>
           </a:p>
@@ -1143,7 +1143,7 @@
           <a:p>
             <a:fld id="{7283A0E2-A24A-E04A-9CC6-978E95CF7822}" type="datetimeFigureOut">
               <a:rPr kumimoji="1" lang="ko-KR" altLang="en-US" smtClean="0"/>
-              <a:t>2024. 6. 12.</a:t>
+              <a:t>2024-06-12</a:t>
             </a:fld>
             <a:endParaRPr kumimoji="1" lang="ko-KR" altLang="en-US"/>
           </a:p>
@@ -1408,7 +1408,7 @@
           <a:p>
             <a:fld id="{7283A0E2-A24A-E04A-9CC6-978E95CF7822}" type="datetimeFigureOut">
               <a:rPr kumimoji="1" lang="ko-KR" altLang="en-US" smtClean="0"/>
-              <a:t>2024. 6. 12.</a:t>
+              <a:t>2024-06-12</a:t>
             </a:fld>
             <a:endParaRPr kumimoji="1" lang="ko-KR" altLang="en-US"/>
           </a:p>
@@ -1820,7 +1820,7 @@
           <a:p>
             <a:fld id="{7283A0E2-A24A-E04A-9CC6-978E95CF7822}" type="datetimeFigureOut">
               <a:rPr kumimoji="1" lang="ko-KR" altLang="en-US" smtClean="0"/>
-              <a:t>2024. 6. 12.</a:t>
+              <a:t>2024-06-12</a:t>
             </a:fld>
             <a:endParaRPr kumimoji="1" lang="ko-KR" altLang="en-US"/>
           </a:p>
@@ -1961,7 +1961,7 @@
           <a:p>
             <a:fld id="{7283A0E2-A24A-E04A-9CC6-978E95CF7822}" type="datetimeFigureOut">
               <a:rPr kumimoji="1" lang="ko-KR" altLang="en-US" smtClean="0"/>
-              <a:t>2024. 6. 12.</a:t>
+              <a:t>2024-06-12</a:t>
             </a:fld>
             <a:endParaRPr kumimoji="1" lang="ko-KR" altLang="en-US"/>
           </a:p>
@@ -2074,7 +2074,7 @@
           <a:p>
             <a:fld id="{7283A0E2-A24A-E04A-9CC6-978E95CF7822}" type="datetimeFigureOut">
               <a:rPr kumimoji="1" lang="ko-KR" altLang="en-US" smtClean="0"/>
-              <a:t>2024. 6. 12.</a:t>
+              <a:t>2024-06-12</a:t>
             </a:fld>
             <a:endParaRPr kumimoji="1" lang="ko-KR" altLang="en-US"/>
           </a:p>
@@ -2385,7 +2385,7 @@
           <a:p>
             <a:fld id="{7283A0E2-A24A-E04A-9CC6-978E95CF7822}" type="datetimeFigureOut">
               <a:rPr kumimoji="1" lang="ko-KR" altLang="en-US" smtClean="0"/>
-              <a:t>2024. 6. 12.</a:t>
+              <a:t>2024-06-12</a:t>
             </a:fld>
             <a:endParaRPr kumimoji="1" lang="ko-KR" altLang="en-US"/>
           </a:p>
@@ -2673,7 +2673,7 @@
           <a:p>
             <a:fld id="{7283A0E2-A24A-E04A-9CC6-978E95CF7822}" type="datetimeFigureOut">
               <a:rPr kumimoji="1" lang="ko-KR" altLang="en-US" smtClean="0"/>
-              <a:t>2024. 6. 12.</a:t>
+              <a:t>2024-06-12</a:t>
             </a:fld>
             <a:endParaRPr kumimoji="1" lang="ko-KR" altLang="en-US"/>
           </a:p>
@@ -2914,7 +2914,7 @@
           <a:p>
             <a:fld id="{7283A0E2-A24A-E04A-9CC6-978E95CF7822}" type="datetimeFigureOut">
               <a:rPr kumimoji="1" lang="ko-KR" altLang="en-US" smtClean="0"/>
-              <a:t>2024. 6. 12.</a:t>
+              <a:t>2024-06-12</a:t>
             </a:fld>
             <a:endParaRPr kumimoji="1" lang="ko-KR" altLang="en-US"/>
           </a:p>
@@ -5174,378 +5174,1311 @@
           <a:chExt cx="0" cy="0"/>
         </a:xfrm>
       </p:grpSpPr>
-      <p:sp>
-        <p:nvSpPr>
-          <p:cNvPr id="2" name="직사각형 1">
-            <a:extLst>
-              <a:ext uri="{FF2B5EF4-FFF2-40B4-BE49-F238E27FC236}">
-                <a16:creationId xmlns:a16="http://schemas.microsoft.com/office/drawing/2014/main" id="{1EC67183-7717-6543-714F-C0FACB9BD048}"/>
-              </a:ext>
-            </a:extLst>
-          </p:cNvPr>
-          <p:cNvSpPr/>
-          <p:nvPr/>
-        </p:nvSpPr>
-        <p:spPr>
-          <a:xfrm>
-            <a:off x="6445954" y="1563188"/>
-            <a:ext cx="2551289" cy="1016000"/>
-          </a:xfrm>
-          <a:prstGeom prst="rect">
-            <a:avLst/>
-          </a:prstGeom>
-        </p:spPr>
-        <p:style>
-          <a:lnRef idx="2">
-            <a:schemeClr val="accent1">
-              <a:shade val="50000"/>
-            </a:schemeClr>
-          </a:lnRef>
-          <a:fillRef idx="1">
-            <a:schemeClr val="accent1"/>
-          </a:fillRef>
-          <a:effectRef idx="0">
-            <a:schemeClr val="accent1"/>
-          </a:effectRef>
-          <a:fontRef idx="minor">
-            <a:schemeClr val="lt1"/>
-          </a:fontRef>
-        </p:style>
-        <p:txBody>
-          <a:bodyPr rtlCol="0" anchor="ctr"/>
-          <a:lstStyle/>
-          <a:p>
-            <a:pPr algn="ctr"/>
-            <a:r>
-              <a:rPr kumimoji="1" lang="en-US" altLang="ko-KR" dirty="0">
-                <a:latin typeface="Times New Roman" panose="02020603050405020304" pitchFamily="18" charset="0"/>
-                <a:cs typeface="Times New Roman" panose="02020603050405020304" pitchFamily="18" charset="0"/>
-              </a:rPr>
-              <a:t>1</a:t>
-            </a:r>
-            <a:r>
-              <a:rPr kumimoji="1" lang="en-US" altLang="ko-KR" baseline="30000" dirty="0">
-                <a:latin typeface="Times New Roman" panose="02020603050405020304" pitchFamily="18" charset="0"/>
-                <a:cs typeface="Times New Roman" panose="02020603050405020304" pitchFamily="18" charset="0"/>
-              </a:rPr>
-              <a:t>st</a:t>
-            </a:r>
-            <a:r>
-              <a:rPr kumimoji="1" lang="en-US" altLang="ko-KR" dirty="0">
-                <a:latin typeface="Times New Roman" panose="02020603050405020304" pitchFamily="18" charset="0"/>
-                <a:cs typeface="Times New Roman" panose="02020603050405020304" pitchFamily="18" charset="0"/>
-              </a:rPr>
-              <a:t> Application</a:t>
-            </a:r>
-            <a:endParaRPr kumimoji="1" lang="ko-KR" altLang="en-US" dirty="0">
-              <a:latin typeface="Times New Roman" panose="02020603050405020304" pitchFamily="18" charset="0"/>
-              <a:cs typeface="Times New Roman" panose="02020603050405020304" pitchFamily="18" charset="0"/>
-            </a:endParaRPr>
-          </a:p>
-        </p:txBody>
-      </p:sp>
-      <p:sp>
-        <p:nvSpPr>
-          <p:cNvPr id="3" name="직사각형 2">
-            <a:extLst>
-              <a:ext uri="{FF2B5EF4-FFF2-40B4-BE49-F238E27FC236}">
-                <a16:creationId xmlns:a16="http://schemas.microsoft.com/office/drawing/2014/main" id="{5F552F2A-92A5-76CB-60AC-7215933AEBA6}"/>
-              </a:ext>
-            </a:extLst>
-          </p:cNvPr>
-          <p:cNvSpPr/>
-          <p:nvPr/>
-        </p:nvSpPr>
-        <p:spPr>
-          <a:xfrm>
-            <a:off x="6445953" y="2900921"/>
-            <a:ext cx="2551289" cy="1016000"/>
-          </a:xfrm>
-          <a:prstGeom prst="rect">
-            <a:avLst/>
-          </a:prstGeom>
-        </p:spPr>
-        <p:style>
-          <a:lnRef idx="2">
-            <a:schemeClr val="accent1">
-              <a:shade val="50000"/>
-            </a:schemeClr>
-          </a:lnRef>
-          <a:fillRef idx="1">
-            <a:schemeClr val="accent1"/>
-          </a:fillRef>
-          <a:effectRef idx="0">
-            <a:schemeClr val="accent1"/>
-          </a:effectRef>
-          <a:fontRef idx="minor">
-            <a:schemeClr val="lt1"/>
-          </a:fontRef>
-        </p:style>
-        <p:txBody>
-          <a:bodyPr rtlCol="0" anchor="ctr"/>
-          <a:lstStyle/>
-          <a:p>
-            <a:pPr algn="ctr"/>
-            <a:r>
-              <a:rPr kumimoji="1" lang="en-US" altLang="ko-KR" dirty="0">
-                <a:latin typeface="Times New Roman" panose="02020603050405020304" pitchFamily="18" charset="0"/>
-                <a:cs typeface="Times New Roman" panose="02020603050405020304" pitchFamily="18" charset="0"/>
-              </a:rPr>
-              <a:t>2</a:t>
-            </a:r>
-            <a:r>
-              <a:rPr kumimoji="1" lang="en-US" altLang="ko-KR" baseline="30000" dirty="0">
-                <a:latin typeface="Times New Roman" panose="02020603050405020304" pitchFamily="18" charset="0"/>
-                <a:cs typeface="Times New Roman" panose="02020603050405020304" pitchFamily="18" charset="0"/>
-              </a:rPr>
-              <a:t>nd</a:t>
-            </a:r>
-            <a:r>
-              <a:rPr kumimoji="1" lang="en-US" altLang="ko-KR" dirty="0">
-                <a:latin typeface="Times New Roman" panose="02020603050405020304" pitchFamily="18" charset="0"/>
-                <a:cs typeface="Times New Roman" panose="02020603050405020304" pitchFamily="18" charset="0"/>
-              </a:rPr>
-              <a:t> Application</a:t>
-            </a:r>
-            <a:endParaRPr kumimoji="1" lang="ko-KR" altLang="en-US" dirty="0">
-              <a:latin typeface="Times New Roman" panose="02020603050405020304" pitchFamily="18" charset="0"/>
-              <a:cs typeface="Times New Roman" panose="02020603050405020304" pitchFamily="18" charset="0"/>
-            </a:endParaRPr>
-          </a:p>
-        </p:txBody>
-      </p:sp>
-      <p:sp>
-        <p:nvSpPr>
-          <p:cNvPr id="6" name="직사각형 5">
-            <a:extLst>
-              <a:ext uri="{FF2B5EF4-FFF2-40B4-BE49-F238E27FC236}">
-                <a16:creationId xmlns:a16="http://schemas.microsoft.com/office/drawing/2014/main" id="{FE0A3F4D-37DE-A931-7DE0-455451EB099D}"/>
-              </a:ext>
-            </a:extLst>
-          </p:cNvPr>
-          <p:cNvSpPr/>
-          <p:nvPr/>
-        </p:nvSpPr>
-        <p:spPr>
-          <a:xfrm>
-            <a:off x="6423377" y="5387298"/>
-            <a:ext cx="2551290" cy="841022"/>
-          </a:xfrm>
-          <a:prstGeom prst="rect">
-            <a:avLst/>
-          </a:prstGeom>
-          <a:noFill/>
-        </p:spPr>
-        <p:style>
-          <a:lnRef idx="2">
-            <a:schemeClr val="accent1">
-              <a:shade val="50000"/>
-            </a:schemeClr>
-          </a:lnRef>
-          <a:fillRef idx="1">
-            <a:schemeClr val="accent1"/>
-          </a:fillRef>
-          <a:effectRef idx="0">
-            <a:schemeClr val="accent1"/>
-          </a:effectRef>
-          <a:fontRef idx="minor">
-            <a:schemeClr val="lt1"/>
-          </a:fontRef>
-        </p:style>
-        <p:txBody>
-          <a:bodyPr rtlCol="0" anchor="ctr"/>
-          <a:lstStyle/>
-          <a:p>
-            <a:pPr algn="ctr"/>
-            <a:r>
-              <a:rPr kumimoji="1" lang="en-US" altLang="ko-KR" dirty="0">
-                <a:solidFill>
-                  <a:schemeClr val="tx1"/>
-                </a:solidFill>
-                <a:latin typeface="Times New Roman" panose="02020603050405020304" pitchFamily="18" charset="0"/>
-                <a:cs typeface="Times New Roman" panose="02020603050405020304" pitchFamily="18" charset="0"/>
-              </a:rPr>
-              <a:t>Nexus Repo</a:t>
-            </a:r>
-            <a:endParaRPr kumimoji="1" lang="ko-KR" altLang="en-US" dirty="0">
-              <a:solidFill>
-                <a:schemeClr val="tx1"/>
-              </a:solidFill>
-              <a:latin typeface="Times New Roman" panose="02020603050405020304" pitchFamily="18" charset="0"/>
-              <a:cs typeface="Times New Roman" panose="02020603050405020304" pitchFamily="18" charset="0"/>
-            </a:endParaRPr>
-          </a:p>
-        </p:txBody>
-      </p:sp>
-      <p:sp>
-        <p:nvSpPr>
-          <p:cNvPr id="7" name="모서리가 둥근 직사각형 6">
-            <a:extLst>
-              <a:ext uri="{FF2B5EF4-FFF2-40B4-BE49-F238E27FC236}">
-                <a16:creationId xmlns:a16="http://schemas.microsoft.com/office/drawing/2014/main" id="{FECB8C2D-AF2E-8C16-B7B5-D0B3AF564DC5}"/>
-              </a:ext>
-            </a:extLst>
-          </p:cNvPr>
-          <p:cNvSpPr/>
-          <p:nvPr/>
-        </p:nvSpPr>
-        <p:spPr>
-          <a:xfrm>
-            <a:off x="6220177" y="1337410"/>
-            <a:ext cx="2957689" cy="2861733"/>
-          </a:xfrm>
-          <a:prstGeom prst="roundRect">
-            <a:avLst>
-              <a:gd name="adj" fmla="val 8652"/>
-            </a:avLst>
-          </a:prstGeom>
-          <a:noFill/>
-        </p:spPr>
-        <p:style>
-          <a:lnRef idx="2">
-            <a:schemeClr val="accent1">
-              <a:shade val="50000"/>
-            </a:schemeClr>
-          </a:lnRef>
-          <a:fillRef idx="1">
-            <a:schemeClr val="accent1"/>
-          </a:fillRef>
-          <a:effectRef idx="0">
-            <a:schemeClr val="accent1"/>
-          </a:effectRef>
-          <a:fontRef idx="minor">
-            <a:schemeClr val="lt1"/>
-          </a:fontRef>
-        </p:style>
-        <p:txBody>
-          <a:bodyPr rtlCol="0" anchor="ctr"/>
-          <a:lstStyle/>
-          <a:p>
-            <a:pPr algn="ctr"/>
-            <a:endParaRPr kumimoji="1" lang="ko-KR" altLang="en-US">
-              <a:latin typeface="Times New Roman" panose="02020603050405020304" pitchFamily="18" charset="0"/>
-              <a:cs typeface="Times New Roman" panose="02020603050405020304" pitchFamily="18" charset="0"/>
-            </a:endParaRPr>
-          </a:p>
-        </p:txBody>
-      </p:sp>
-      <p:cxnSp>
-        <p:nvCxnSpPr>
-          <p:cNvPr id="9" name="직선 화살표 연결선 8">
-            <a:extLst>
-              <a:ext uri="{FF2B5EF4-FFF2-40B4-BE49-F238E27FC236}">
-                <a16:creationId xmlns:a16="http://schemas.microsoft.com/office/drawing/2014/main" id="{11D24B20-A08C-8B79-DDE0-E393493DB58B}"/>
-              </a:ext>
-            </a:extLst>
-          </p:cNvPr>
-          <p:cNvCxnSpPr>
-            <a:cxnSpLocks/>
-            <a:stCxn id="6" idx="0"/>
-            <a:endCxn id="7" idx="2"/>
-          </p:cNvCxnSpPr>
-          <p:nvPr/>
-        </p:nvCxnSpPr>
-        <p:spPr>
-          <a:xfrm flipV="1">
-            <a:off x="7699022" y="4199143"/>
-            <a:ext cx="0" cy="1188155"/>
-          </a:xfrm>
-          <a:prstGeom prst="straightConnector1">
-            <a:avLst/>
-          </a:prstGeom>
-          <a:ln>
-            <a:tailEnd type="triangle"/>
-          </a:ln>
-        </p:spPr>
-        <p:style>
-          <a:lnRef idx="1">
-            <a:schemeClr val="dk1"/>
-          </a:lnRef>
-          <a:fillRef idx="0">
-            <a:schemeClr val="dk1"/>
-          </a:fillRef>
-          <a:effectRef idx="0">
-            <a:schemeClr val="dk1"/>
-          </a:effectRef>
-          <a:fontRef idx="minor">
-            <a:schemeClr val="tx1"/>
-          </a:fontRef>
-        </p:style>
-      </p:cxnSp>
-      <p:sp>
-        <p:nvSpPr>
-          <p:cNvPr id="10" name="TextBox 9">
-            <a:extLst>
-              <a:ext uri="{FF2B5EF4-FFF2-40B4-BE49-F238E27FC236}">
-                <a16:creationId xmlns:a16="http://schemas.microsoft.com/office/drawing/2014/main" id="{890DA6F4-8BD2-72D7-7CF6-1C4FA53DABD1}"/>
-              </a:ext>
-            </a:extLst>
-          </p:cNvPr>
-          <p:cNvSpPr txBox="1"/>
-          <p:nvPr/>
-        </p:nvSpPr>
-        <p:spPr>
-          <a:xfrm>
-            <a:off x="7806268" y="4667229"/>
-            <a:ext cx="1264352" cy="307777"/>
-          </a:xfrm>
-          <a:prstGeom prst="rect">
-            <a:avLst/>
-          </a:prstGeom>
-          <a:noFill/>
-        </p:spPr>
-        <p:txBody>
-          <a:bodyPr wrap="square" rtlCol="0">
-            <a:spAutoFit/>
-          </a:bodyPr>
-          <a:lstStyle/>
-          <a:p>
-            <a:r>
-              <a:rPr kumimoji="1" lang="en-US" altLang="ko-KR" sz="1400" b="1" dirty="0">
-                <a:solidFill>
-                  <a:srgbClr val="FF0000"/>
-                </a:solidFill>
-                <a:latin typeface="Times New Roman" panose="02020603050405020304" pitchFamily="18" charset="0"/>
-                <a:cs typeface="Times New Roman" panose="02020603050405020304" pitchFamily="18" charset="0"/>
-              </a:rPr>
-              <a:t>Id-Generator</a:t>
-            </a:r>
-            <a:endParaRPr kumimoji="1" lang="ko-KR" altLang="en-US" sz="1400" b="1" dirty="0">
-              <a:solidFill>
-                <a:srgbClr val="FF0000"/>
-              </a:solidFill>
-              <a:latin typeface="Times New Roman" panose="02020603050405020304" pitchFamily="18" charset="0"/>
-              <a:cs typeface="Times New Roman" panose="02020603050405020304" pitchFamily="18" charset="0"/>
-            </a:endParaRPr>
-          </a:p>
-        </p:txBody>
-      </p:sp>
       <p:grpSp>
         <p:nvGrpSpPr>
-          <p:cNvPr id="15" name="그룹 14">
-            <a:extLst>
-              <a:ext uri="{FF2B5EF4-FFF2-40B4-BE49-F238E27FC236}">
-                <a16:creationId xmlns:a16="http://schemas.microsoft.com/office/drawing/2014/main" id="{8D05A457-AAEF-E140-8733-012F23E5E2FF}"/>
-              </a:ext>
-            </a:extLst>
-          </p:cNvPr>
+          <p:cNvPr id="35" name="그룹 34"/>
           <p:cNvGrpSpPr/>
           <p:nvPr/>
         </p:nvGrpSpPr>
         <p:grpSpPr>
           <a:xfrm>
-            <a:off x="10227734" y="1484413"/>
-            <a:ext cx="1501422" cy="2074086"/>
-            <a:chOff x="9347200" y="2257645"/>
-            <a:chExt cx="1501422" cy="2074086"/>
+            <a:off x="668533" y="560632"/>
+            <a:ext cx="11060623" cy="5997274"/>
+            <a:chOff x="668533" y="547569"/>
+            <a:chExt cx="11060623" cy="5997274"/>
           </a:xfrm>
         </p:grpSpPr>
+        <p:grpSp>
+          <p:nvGrpSpPr>
+            <p:cNvPr id="32" name="그룹 31"/>
+            <p:cNvGrpSpPr/>
+            <p:nvPr/>
+          </p:nvGrpSpPr>
+          <p:grpSpPr>
+            <a:xfrm>
+              <a:off x="668533" y="547569"/>
+              <a:ext cx="11060623" cy="5997274"/>
+              <a:chOff x="668533" y="547569"/>
+              <a:chExt cx="11060623" cy="5997274"/>
+            </a:xfrm>
+          </p:grpSpPr>
+          <p:grpSp>
+            <p:nvGrpSpPr>
+              <p:cNvPr id="16" name="그룹 15"/>
+              <p:cNvGrpSpPr/>
+              <p:nvPr/>
+            </p:nvGrpSpPr>
+            <p:grpSpPr>
+              <a:xfrm>
+                <a:off x="668533" y="547569"/>
+                <a:ext cx="11060623" cy="5997274"/>
+                <a:chOff x="668533" y="547569"/>
+                <a:chExt cx="11060623" cy="5997274"/>
+              </a:xfrm>
+            </p:grpSpPr>
+            <p:sp>
+              <p:nvSpPr>
+                <p:cNvPr id="2" name="직사각형 1">
+                  <a:extLst>
+                    <a:ext uri="{FF2B5EF4-FFF2-40B4-BE49-F238E27FC236}">
+                      <a16:creationId xmlns:a16="http://schemas.microsoft.com/office/drawing/2014/main" id="{1EC67183-7717-6543-714F-C0FACB9BD048}"/>
+                    </a:ext>
+                  </a:extLst>
+                </p:cNvPr>
+                <p:cNvSpPr/>
+                <p:nvPr/>
+              </p:nvSpPr>
+              <p:spPr>
+                <a:xfrm>
+                  <a:off x="6445954" y="1114959"/>
+                  <a:ext cx="2551289" cy="1202969"/>
+                </a:xfrm>
+                <a:prstGeom prst="rect">
+                  <a:avLst/>
+                </a:prstGeom>
+                <a:noFill/>
+              </p:spPr>
+              <p:style>
+                <a:lnRef idx="2">
+                  <a:schemeClr val="accent1">
+                    <a:shade val="50000"/>
+                  </a:schemeClr>
+                </a:lnRef>
+                <a:fillRef idx="1">
+                  <a:schemeClr val="accent1"/>
+                </a:fillRef>
+                <a:effectRef idx="0">
+                  <a:schemeClr val="accent1"/>
+                </a:effectRef>
+                <a:fontRef idx="minor">
+                  <a:schemeClr val="lt1"/>
+                </a:fontRef>
+              </p:style>
+              <p:txBody>
+                <a:bodyPr rtlCol="0" anchor="ctr"/>
+                <a:lstStyle/>
+                <a:p>
+                  <a:pPr algn="ctr"/>
+                  <a:endParaRPr kumimoji="1" lang="en-US" altLang="ko-KR" dirty="0" smtClean="0">
+                    <a:solidFill>
+                      <a:schemeClr val="tx1"/>
+                    </a:solidFill>
+                    <a:latin typeface="Times New Roman" panose="02020603050405020304" pitchFamily="18" charset="0"/>
+                    <a:cs typeface="Times New Roman" panose="02020603050405020304" pitchFamily="18" charset="0"/>
+                  </a:endParaRPr>
+                </a:p>
+                <a:p>
+                  <a:pPr algn="ctr"/>
+                  <a:endParaRPr kumimoji="1" lang="en-US" altLang="ko-KR" dirty="0" smtClean="0">
+                    <a:solidFill>
+                      <a:schemeClr val="tx1"/>
+                    </a:solidFill>
+                    <a:latin typeface="Times New Roman" panose="02020603050405020304" pitchFamily="18" charset="0"/>
+                    <a:cs typeface="Times New Roman" panose="02020603050405020304" pitchFamily="18" charset="0"/>
+                  </a:endParaRPr>
+                </a:p>
+                <a:p>
+                  <a:pPr algn="ctr"/>
+                  <a:r>
+                    <a:rPr kumimoji="1" lang="en-US" altLang="ko-KR" dirty="0" smtClean="0">
+                      <a:solidFill>
+                        <a:schemeClr val="tx1"/>
+                      </a:solidFill>
+                      <a:latin typeface="Times New Roman" panose="02020603050405020304" pitchFamily="18" charset="0"/>
+                      <a:cs typeface="Times New Roman" panose="02020603050405020304" pitchFamily="18" charset="0"/>
+                    </a:rPr>
+                    <a:t>1</a:t>
+                  </a:r>
+                  <a:r>
+                    <a:rPr kumimoji="1" lang="en-US" altLang="ko-KR" baseline="30000" dirty="0" smtClean="0">
+                      <a:solidFill>
+                        <a:schemeClr val="tx1"/>
+                      </a:solidFill>
+                      <a:latin typeface="Times New Roman" panose="02020603050405020304" pitchFamily="18" charset="0"/>
+                      <a:cs typeface="Times New Roman" panose="02020603050405020304" pitchFamily="18" charset="0"/>
+                    </a:rPr>
+                    <a:t>st</a:t>
+                  </a:r>
+                  <a:r>
+                    <a:rPr kumimoji="1" lang="en-US" altLang="ko-KR" dirty="0" smtClean="0">
+                      <a:solidFill>
+                        <a:schemeClr val="tx1"/>
+                      </a:solidFill>
+                      <a:latin typeface="Times New Roman" panose="02020603050405020304" pitchFamily="18" charset="0"/>
+                      <a:cs typeface="Times New Roman" panose="02020603050405020304" pitchFamily="18" charset="0"/>
+                    </a:rPr>
+                    <a:t> </a:t>
+                  </a:r>
+                  <a:r>
+                    <a:rPr kumimoji="1" lang="en-US" altLang="ko-KR" dirty="0">
+                      <a:solidFill>
+                        <a:schemeClr val="tx1"/>
+                      </a:solidFill>
+                      <a:latin typeface="Times New Roman" panose="02020603050405020304" pitchFamily="18" charset="0"/>
+                      <a:cs typeface="Times New Roman" panose="02020603050405020304" pitchFamily="18" charset="0"/>
+                    </a:rPr>
+                    <a:t>Application</a:t>
+                  </a:r>
+                  <a:endParaRPr kumimoji="1" lang="ko-KR" altLang="en-US" dirty="0">
+                    <a:solidFill>
+                      <a:schemeClr val="tx1"/>
+                    </a:solidFill>
+                    <a:latin typeface="Times New Roman" panose="02020603050405020304" pitchFamily="18" charset="0"/>
+                    <a:cs typeface="Times New Roman" panose="02020603050405020304" pitchFamily="18" charset="0"/>
+                  </a:endParaRPr>
+                </a:p>
+              </p:txBody>
+            </p:sp>
+            <p:grpSp>
+              <p:nvGrpSpPr>
+                <p:cNvPr id="8" name="그룹 7"/>
+                <p:cNvGrpSpPr/>
+                <p:nvPr/>
+              </p:nvGrpSpPr>
+              <p:grpSpPr>
+                <a:xfrm>
+                  <a:off x="6423375" y="5703821"/>
+                  <a:ext cx="2551290" cy="841022"/>
+                  <a:chOff x="6423377" y="5387298"/>
+                  <a:chExt cx="2551290" cy="841022"/>
+                </a:xfrm>
+              </p:grpSpPr>
+              <p:pic>
+                <p:nvPicPr>
+                  <p:cNvPr id="4" name="그림 3"/>
+                  <p:cNvPicPr>
+                    <a:picLocks noChangeAspect="1"/>
+                  </p:cNvPicPr>
+                  <p:nvPr/>
+                </p:nvPicPr>
+                <p:blipFill>
+                  <a:blip r:embed="rId2">
+                    <a:extLst>
+                      <a:ext uri="{28A0092B-C50C-407E-A947-70E740481C1C}">
+                        <a14:useLocalDpi xmlns:a14="http://schemas.microsoft.com/office/drawing/2010/main" val="0"/>
+                      </a:ext>
+                    </a:extLst>
+                  </a:blip>
+                  <a:stretch>
+                    <a:fillRect/>
+                  </a:stretch>
+                </p:blipFill>
+                <p:spPr>
+                  <a:xfrm>
+                    <a:off x="6618002" y="5460024"/>
+                    <a:ext cx="653124" cy="707551"/>
+                  </a:xfrm>
+                  <a:prstGeom prst="rect">
+                    <a:avLst/>
+                  </a:prstGeom>
+                </p:spPr>
+              </p:pic>
+              <p:sp>
+                <p:nvSpPr>
+                  <p:cNvPr id="6" name="직사각형 5">
+                    <a:extLst>
+                      <a:ext uri="{FF2B5EF4-FFF2-40B4-BE49-F238E27FC236}">
+                        <a16:creationId xmlns:a16="http://schemas.microsoft.com/office/drawing/2014/main" id="{FE0A3F4D-37DE-A931-7DE0-455451EB099D}"/>
+                      </a:ext>
+                    </a:extLst>
+                  </p:cNvPr>
+                  <p:cNvSpPr/>
+                  <p:nvPr/>
+                </p:nvSpPr>
+                <p:spPr>
+                  <a:xfrm>
+                    <a:off x="6423377" y="5387298"/>
+                    <a:ext cx="2551290" cy="841022"/>
+                  </a:xfrm>
+                  <a:prstGeom prst="rect">
+                    <a:avLst/>
+                  </a:prstGeom>
+                  <a:noFill/>
+                </p:spPr>
+                <p:style>
+                  <a:lnRef idx="2">
+                    <a:schemeClr val="accent1">
+                      <a:shade val="50000"/>
+                    </a:schemeClr>
+                  </a:lnRef>
+                  <a:fillRef idx="1">
+                    <a:schemeClr val="accent1"/>
+                  </a:fillRef>
+                  <a:effectRef idx="0">
+                    <a:schemeClr val="accent1"/>
+                  </a:effectRef>
+                  <a:fontRef idx="minor">
+                    <a:schemeClr val="lt1"/>
+                  </a:fontRef>
+                </p:style>
+                <p:txBody>
+                  <a:bodyPr rtlCol="0" anchor="ctr"/>
+                  <a:lstStyle/>
+                  <a:p>
+                    <a:pPr algn="ctr"/>
+                    <a:r>
+                      <a:rPr kumimoji="1" lang="en-US" altLang="ko-KR" dirty="0" smtClean="0">
+                        <a:solidFill>
+                          <a:schemeClr val="tx1"/>
+                        </a:solidFill>
+                        <a:latin typeface="Times New Roman" panose="02020603050405020304" pitchFamily="18" charset="0"/>
+                        <a:cs typeface="Times New Roman" panose="02020603050405020304" pitchFamily="18" charset="0"/>
+                      </a:rPr>
+                      <a:t>          Nexus </a:t>
+                    </a:r>
+                    <a:r>
+                      <a:rPr kumimoji="1" lang="en-US" altLang="ko-KR" dirty="0">
+                        <a:solidFill>
+                          <a:schemeClr val="tx1"/>
+                        </a:solidFill>
+                        <a:latin typeface="Times New Roman" panose="02020603050405020304" pitchFamily="18" charset="0"/>
+                        <a:cs typeface="Times New Roman" panose="02020603050405020304" pitchFamily="18" charset="0"/>
+                      </a:rPr>
+                      <a:t>Repo</a:t>
+                    </a:r>
+                    <a:endParaRPr kumimoji="1" lang="ko-KR" altLang="en-US" dirty="0">
+                      <a:solidFill>
+                        <a:schemeClr val="tx1"/>
+                      </a:solidFill>
+                      <a:latin typeface="Times New Roman" panose="02020603050405020304" pitchFamily="18" charset="0"/>
+                      <a:cs typeface="Times New Roman" panose="02020603050405020304" pitchFamily="18" charset="0"/>
+                    </a:endParaRPr>
+                  </a:p>
+                </p:txBody>
+              </p:sp>
+            </p:grpSp>
+            <p:sp>
+              <p:nvSpPr>
+                <p:cNvPr id="7" name="모서리가 둥근 직사각형 6">
+                  <a:extLst>
+                    <a:ext uri="{FF2B5EF4-FFF2-40B4-BE49-F238E27FC236}">
+                      <a16:creationId xmlns:a16="http://schemas.microsoft.com/office/drawing/2014/main" id="{FECB8C2D-AF2E-8C16-B7B5-D0B3AF564DC5}"/>
+                    </a:ext>
+                  </a:extLst>
+                </p:cNvPr>
+                <p:cNvSpPr/>
+                <p:nvPr/>
+              </p:nvSpPr>
+              <p:spPr>
+                <a:xfrm>
+                  <a:off x="6220177" y="989628"/>
+                  <a:ext cx="2957689" cy="3209516"/>
+                </a:xfrm>
+                <a:prstGeom prst="roundRect">
+                  <a:avLst>
+                    <a:gd name="adj" fmla="val 8652"/>
+                  </a:avLst>
+                </a:prstGeom>
+                <a:noFill/>
+              </p:spPr>
+              <p:style>
+                <a:lnRef idx="2">
+                  <a:schemeClr val="accent1">
+                    <a:shade val="50000"/>
+                  </a:schemeClr>
+                </a:lnRef>
+                <a:fillRef idx="1">
+                  <a:schemeClr val="accent1"/>
+                </a:fillRef>
+                <a:effectRef idx="0">
+                  <a:schemeClr val="accent1"/>
+                </a:effectRef>
+                <a:fontRef idx="minor">
+                  <a:schemeClr val="lt1"/>
+                </a:fontRef>
+              </p:style>
+              <p:txBody>
+                <a:bodyPr rtlCol="0" anchor="ctr"/>
+                <a:lstStyle/>
+                <a:p>
+                  <a:pPr algn="ctr"/>
+                  <a:endParaRPr kumimoji="1" lang="ko-KR" altLang="en-US">
+                    <a:latin typeface="Times New Roman" panose="02020603050405020304" pitchFamily="18" charset="0"/>
+                    <a:cs typeface="Times New Roman" panose="02020603050405020304" pitchFamily="18" charset="0"/>
+                  </a:endParaRPr>
+                </a:p>
+              </p:txBody>
+            </p:sp>
+            <p:cxnSp>
+              <p:nvCxnSpPr>
+                <p:cNvPr id="9" name="직선 화살표 연결선 8">
+                  <a:extLst>
+                    <a:ext uri="{FF2B5EF4-FFF2-40B4-BE49-F238E27FC236}">
+                      <a16:creationId xmlns:a16="http://schemas.microsoft.com/office/drawing/2014/main" id="{11D24B20-A08C-8B79-DDE0-E393493DB58B}"/>
+                    </a:ext>
+                  </a:extLst>
+                </p:cNvPr>
+                <p:cNvCxnSpPr>
+                  <a:cxnSpLocks/>
+                </p:cNvCxnSpPr>
+                <p:nvPr/>
+              </p:nvCxnSpPr>
+              <p:spPr>
+                <a:xfrm flipV="1">
+                  <a:off x="7683383" y="4256102"/>
+                  <a:ext cx="2" cy="1152000"/>
+                </a:xfrm>
+                <a:prstGeom prst="straightConnector1">
+                  <a:avLst/>
+                </a:prstGeom>
+                <a:ln>
+                  <a:tailEnd type="triangle"/>
+                </a:ln>
+              </p:spPr>
+              <p:style>
+                <a:lnRef idx="1">
+                  <a:schemeClr val="dk1"/>
+                </a:lnRef>
+                <a:fillRef idx="0">
+                  <a:schemeClr val="dk1"/>
+                </a:fillRef>
+                <a:effectRef idx="0">
+                  <a:schemeClr val="dk1"/>
+                </a:effectRef>
+                <a:fontRef idx="minor">
+                  <a:schemeClr val="tx1"/>
+                </a:fontRef>
+              </p:style>
+            </p:cxnSp>
+            <p:sp>
+              <p:nvSpPr>
+                <p:cNvPr id="10" name="TextBox 9">
+                  <a:extLst>
+                    <a:ext uri="{FF2B5EF4-FFF2-40B4-BE49-F238E27FC236}">
+                      <a16:creationId xmlns:a16="http://schemas.microsoft.com/office/drawing/2014/main" id="{890DA6F4-8BD2-72D7-7CF6-1C4FA53DABD1}"/>
+                    </a:ext>
+                  </a:extLst>
+                </p:cNvPr>
+                <p:cNvSpPr txBox="1"/>
+                <p:nvPr/>
+              </p:nvSpPr>
+              <p:spPr>
+                <a:xfrm>
+                  <a:off x="7721597" y="4606045"/>
+                  <a:ext cx="1489481" cy="523220"/>
+                </a:xfrm>
+                <a:prstGeom prst="rect">
+                  <a:avLst/>
+                </a:prstGeom>
+                <a:noFill/>
+              </p:spPr>
+              <p:txBody>
+                <a:bodyPr wrap="square" rtlCol="0">
+                  <a:spAutoFit/>
+                </a:bodyPr>
+                <a:lstStyle/>
+                <a:p>
+                  <a:pPr algn="ctr"/>
+                  <a:r>
+                    <a:rPr kumimoji="1" lang="en-US" altLang="ko-KR" sz="1400" b="1" dirty="0" smtClean="0">
+                      <a:solidFill>
+                        <a:srgbClr val="FF0000"/>
+                      </a:solidFill>
+                      <a:latin typeface="Times New Roman" panose="02020603050405020304" pitchFamily="18" charset="0"/>
+                      <a:cs typeface="Times New Roman" panose="02020603050405020304" pitchFamily="18" charset="0"/>
+                    </a:rPr>
+                    <a:t>Id-Generator (Library)</a:t>
+                  </a:r>
+                  <a:endParaRPr kumimoji="1" lang="ko-KR" altLang="en-US" sz="1400" b="1" dirty="0">
+                    <a:solidFill>
+                      <a:srgbClr val="FF0000"/>
+                    </a:solidFill>
+                    <a:latin typeface="Times New Roman" panose="02020603050405020304" pitchFamily="18" charset="0"/>
+                    <a:cs typeface="Times New Roman" panose="02020603050405020304" pitchFamily="18" charset="0"/>
+                  </a:endParaRPr>
+                </a:p>
+              </p:txBody>
+            </p:sp>
+            <p:grpSp>
+              <p:nvGrpSpPr>
+                <p:cNvPr id="15" name="그룹 14">
+                  <a:extLst>
+                    <a:ext uri="{FF2B5EF4-FFF2-40B4-BE49-F238E27FC236}">
+                      <a16:creationId xmlns:a16="http://schemas.microsoft.com/office/drawing/2014/main" id="{8D05A457-AAEF-E140-8733-012F23E5E2FF}"/>
+                    </a:ext>
+                  </a:extLst>
+                </p:cNvPr>
+                <p:cNvGrpSpPr/>
+                <p:nvPr/>
+              </p:nvGrpSpPr>
+              <p:grpSpPr>
+                <a:xfrm>
+                  <a:off x="10227734" y="1288468"/>
+                  <a:ext cx="1501422" cy="2074086"/>
+                  <a:chOff x="9347200" y="2061700"/>
+                  <a:chExt cx="1501422" cy="2074086"/>
+                </a:xfrm>
+              </p:grpSpPr>
+              <p:sp>
+                <p:nvSpPr>
+                  <p:cNvPr id="11" name="원통[C] 10">
+                    <a:extLst>
+                      <a:ext uri="{FF2B5EF4-FFF2-40B4-BE49-F238E27FC236}">
+                        <a16:creationId xmlns:a16="http://schemas.microsoft.com/office/drawing/2014/main" id="{9B8C22AF-F98A-7CF6-F19E-9A6B5DDFD937}"/>
+                      </a:ext>
+                    </a:extLst>
+                  </p:cNvPr>
+                  <p:cNvSpPr/>
+                  <p:nvPr/>
+                </p:nvSpPr>
+                <p:spPr>
+                  <a:xfrm>
+                    <a:off x="9347201" y="2555341"/>
+                    <a:ext cx="1501421" cy="1580445"/>
+                  </a:xfrm>
+                  <a:prstGeom prst="can">
+                    <a:avLst/>
+                  </a:prstGeom>
+                  <a:noFill/>
+                </p:spPr>
+                <p:style>
+                  <a:lnRef idx="2">
+                    <a:schemeClr val="accent1">
+                      <a:shade val="50000"/>
+                    </a:schemeClr>
+                  </a:lnRef>
+                  <a:fillRef idx="1">
+                    <a:schemeClr val="accent1"/>
+                  </a:fillRef>
+                  <a:effectRef idx="0">
+                    <a:schemeClr val="accent1"/>
+                  </a:effectRef>
+                  <a:fontRef idx="minor">
+                    <a:schemeClr val="lt1"/>
+                  </a:fontRef>
+                </p:style>
+                <p:txBody>
+                  <a:bodyPr rtlCol="0" anchor="ctr"/>
+                  <a:lstStyle/>
+                  <a:p>
+                    <a:pPr algn="ctr"/>
+                    <a:endParaRPr kumimoji="1" lang="ko-KR" altLang="en-US">
+                      <a:latin typeface="Times New Roman" panose="02020603050405020304" pitchFamily="18" charset="0"/>
+                      <a:cs typeface="Times New Roman" panose="02020603050405020304" pitchFamily="18" charset="0"/>
+                    </a:endParaRPr>
+                  </a:p>
+                </p:txBody>
+              </p:sp>
+              <p:sp>
+                <p:nvSpPr>
+                  <p:cNvPr id="14" name="TextBox 13">
+                    <a:extLst>
+                      <a:ext uri="{FF2B5EF4-FFF2-40B4-BE49-F238E27FC236}">
+                        <a16:creationId xmlns:a16="http://schemas.microsoft.com/office/drawing/2014/main" id="{42328A53-0A7E-DBAE-C033-4BDEF72858CB}"/>
+                      </a:ext>
+                    </a:extLst>
+                  </p:cNvPr>
+                  <p:cNvSpPr txBox="1"/>
+                  <p:nvPr/>
+                </p:nvSpPr>
+                <p:spPr>
+                  <a:xfrm>
+                    <a:off x="9347200" y="2061700"/>
+                    <a:ext cx="1501421" cy="369332"/>
+                  </a:xfrm>
+                  <a:prstGeom prst="rect">
+                    <a:avLst/>
+                  </a:prstGeom>
+                  <a:noFill/>
+                </p:spPr>
+                <p:txBody>
+                  <a:bodyPr wrap="square" rtlCol="0">
+                    <a:spAutoFit/>
+                  </a:bodyPr>
+                  <a:lstStyle/>
+                  <a:p>
+                    <a:pPr algn="ctr"/>
+                    <a:r>
+                      <a:rPr kumimoji="1" lang="en-US" altLang="ko-KR" dirty="0">
+                        <a:latin typeface="Times New Roman" panose="02020603050405020304" pitchFamily="18" charset="0"/>
+                        <a:cs typeface="Times New Roman" panose="02020603050405020304" pitchFamily="18" charset="0"/>
+                      </a:rPr>
+                      <a:t>MongoDB</a:t>
+                    </a:r>
+                    <a:endParaRPr kumimoji="1" lang="ko-KR" altLang="en-US" dirty="0">
+                      <a:latin typeface="Times New Roman" panose="02020603050405020304" pitchFamily="18" charset="0"/>
+                      <a:cs typeface="Times New Roman" panose="02020603050405020304" pitchFamily="18" charset="0"/>
+                    </a:endParaRPr>
+                  </a:p>
+                </p:txBody>
+              </p:sp>
+            </p:grpSp>
+            <p:cxnSp>
+              <p:nvCxnSpPr>
+                <p:cNvPr id="17" name="직선 화살표 연결선 16">
+                  <a:extLst>
+                    <a:ext uri="{FF2B5EF4-FFF2-40B4-BE49-F238E27FC236}">
+                      <a16:creationId xmlns:a16="http://schemas.microsoft.com/office/drawing/2014/main" id="{6B4D1FA9-1BF8-A5C4-0849-19A28603ACC8}"/>
+                    </a:ext>
+                  </a:extLst>
+                </p:cNvPr>
+                <p:cNvCxnSpPr>
+                  <a:stCxn id="2" idx="3"/>
+                  <a:endCxn id="11" idx="2"/>
+                </p:cNvCxnSpPr>
+                <p:nvPr/>
+              </p:nvCxnSpPr>
+              <p:spPr>
+                <a:xfrm>
+                  <a:off x="8997243" y="1716444"/>
+                  <a:ext cx="1230492" cy="855888"/>
+                </a:xfrm>
+                <a:prstGeom prst="straightConnector1">
+                  <a:avLst/>
+                </a:prstGeom>
+                <a:ln>
+                  <a:tailEnd type="triangle"/>
+                </a:ln>
+              </p:spPr>
+              <p:style>
+                <a:lnRef idx="1">
+                  <a:schemeClr val="dk1"/>
+                </a:lnRef>
+                <a:fillRef idx="0">
+                  <a:schemeClr val="dk1"/>
+                </a:fillRef>
+                <a:effectRef idx="0">
+                  <a:schemeClr val="dk1"/>
+                </a:effectRef>
+                <a:fontRef idx="minor">
+                  <a:schemeClr val="tx1"/>
+                </a:fontRef>
+              </p:style>
+            </p:cxnSp>
+            <p:cxnSp>
+              <p:nvCxnSpPr>
+                <p:cNvPr id="18" name="직선 화살표 연결선 17">
+                  <a:extLst>
+                    <a:ext uri="{FF2B5EF4-FFF2-40B4-BE49-F238E27FC236}">
+                      <a16:creationId xmlns:a16="http://schemas.microsoft.com/office/drawing/2014/main" id="{B3EF2006-B139-9EBE-BA5C-B89C6E0898D0}"/>
+                    </a:ext>
+                  </a:extLst>
+                </p:cNvPr>
+                <p:cNvCxnSpPr>
+                  <a:cxnSpLocks/>
+                  <a:stCxn id="38" idx="3"/>
+                  <a:endCxn id="11" idx="2"/>
+                </p:cNvCxnSpPr>
+                <p:nvPr/>
+              </p:nvCxnSpPr>
+              <p:spPr>
+                <a:xfrm flipV="1">
+                  <a:off x="8995997" y="2572332"/>
+                  <a:ext cx="1231738" cy="784728"/>
+                </a:xfrm>
+                <a:prstGeom prst="straightConnector1">
+                  <a:avLst/>
+                </a:prstGeom>
+                <a:ln>
+                  <a:tailEnd type="triangle"/>
+                </a:ln>
+              </p:spPr>
+              <p:style>
+                <a:lnRef idx="1">
+                  <a:schemeClr val="dk1"/>
+                </a:lnRef>
+                <a:fillRef idx="0">
+                  <a:schemeClr val="dk1"/>
+                </a:fillRef>
+                <a:effectRef idx="0">
+                  <a:schemeClr val="dk1"/>
+                </a:effectRef>
+                <a:fontRef idx="minor">
+                  <a:schemeClr val="tx1"/>
+                </a:fontRef>
+              </p:style>
+            </p:cxnSp>
+            <p:sp>
+              <p:nvSpPr>
+                <p:cNvPr id="25" name="TextBox 24">
+                  <a:extLst>
+                    <a:ext uri="{FF2B5EF4-FFF2-40B4-BE49-F238E27FC236}">
+                      <a16:creationId xmlns:a16="http://schemas.microsoft.com/office/drawing/2014/main" id="{580787D1-3FD3-5019-7BAA-55093AB74BC7}"/>
+                    </a:ext>
+                  </a:extLst>
+                </p:cNvPr>
+                <p:cNvSpPr txBox="1"/>
+                <p:nvPr/>
+              </p:nvSpPr>
+              <p:spPr>
+                <a:xfrm>
+                  <a:off x="668533" y="1006887"/>
+                  <a:ext cx="745066" cy="369332"/>
+                </a:xfrm>
+                <a:prstGeom prst="rect">
+                  <a:avLst/>
+                </a:prstGeom>
+                <a:noFill/>
+              </p:spPr>
+              <p:txBody>
+                <a:bodyPr wrap="square" rtlCol="0">
+                  <a:spAutoFit/>
+                </a:bodyPr>
+                <a:lstStyle/>
+                <a:p>
+                  <a:pPr algn="ctr"/>
+                  <a:r>
+                    <a:rPr kumimoji="1" lang="en-US" altLang="ko-KR" dirty="0">
+                      <a:latin typeface="Times New Roman" panose="02020603050405020304" pitchFamily="18" charset="0"/>
+                      <a:cs typeface="Times New Roman" panose="02020603050405020304" pitchFamily="18" charset="0"/>
+                    </a:rPr>
+                    <a:t>Local</a:t>
+                  </a:r>
+                  <a:endParaRPr kumimoji="1" lang="ko-KR" altLang="en-US" dirty="0">
+                    <a:latin typeface="Times New Roman" panose="02020603050405020304" pitchFamily="18" charset="0"/>
+                    <a:cs typeface="Times New Roman" panose="02020603050405020304" pitchFamily="18" charset="0"/>
+                  </a:endParaRPr>
+                </a:p>
+              </p:txBody>
+            </p:sp>
+            <p:grpSp>
+              <p:nvGrpSpPr>
+                <p:cNvPr id="30" name="그룹 29">
+                  <a:extLst>
+                    <a:ext uri="{FF2B5EF4-FFF2-40B4-BE49-F238E27FC236}">
+                      <a16:creationId xmlns:a16="http://schemas.microsoft.com/office/drawing/2014/main" id="{5976F79D-2E84-9310-6131-A026D2B06BFD}"/>
+                    </a:ext>
+                  </a:extLst>
+                </p:cNvPr>
+                <p:cNvGrpSpPr/>
+                <p:nvPr/>
+              </p:nvGrpSpPr>
+              <p:grpSpPr>
+                <a:xfrm>
+                  <a:off x="691106" y="1441512"/>
+                  <a:ext cx="2031994" cy="2661162"/>
+                  <a:chOff x="507996" y="2501901"/>
+                  <a:chExt cx="2031994" cy="2661162"/>
+                </a:xfrm>
+              </p:grpSpPr>
+              <p:pic>
+                <p:nvPicPr>
+                  <p:cNvPr id="13" name="그림 12" descr="펜, 필기구, 깃털이(가) 표시된 사진&#10;&#10;자동 생성된 설명">
+                    <a:extLst>
+                      <a:ext uri="{FF2B5EF4-FFF2-40B4-BE49-F238E27FC236}">
+                        <a16:creationId xmlns:a16="http://schemas.microsoft.com/office/drawing/2014/main" id="{E581B421-2633-E2DF-F97C-89197A0A37D6}"/>
+                      </a:ext>
+                    </a:extLst>
+                  </p:cNvPr>
+                  <p:cNvPicPr>
+                    <a:picLocks noChangeAspect="1"/>
+                  </p:cNvPicPr>
+                  <p:nvPr/>
+                </p:nvPicPr>
+                <p:blipFill>
+                  <a:blip r:embed="rId3"/>
+                  <a:stretch>
+                    <a:fillRect/>
+                  </a:stretch>
+                </p:blipFill>
+                <p:spPr>
+                  <a:xfrm>
+                    <a:off x="654748" y="2501901"/>
+                    <a:ext cx="1828800" cy="1104900"/>
+                  </a:xfrm>
+                  <a:prstGeom prst="rect">
+                    <a:avLst/>
+                  </a:prstGeom>
+                </p:spPr>
+              </p:pic>
+              <p:sp>
+                <p:nvSpPr>
+                  <p:cNvPr id="26" name="TextBox 25">
+                    <a:extLst>
+                      <a:ext uri="{FF2B5EF4-FFF2-40B4-BE49-F238E27FC236}">
+                        <a16:creationId xmlns:a16="http://schemas.microsoft.com/office/drawing/2014/main" id="{E8A414A0-5548-8AE1-03D8-27D8B9180B87}"/>
+                      </a:ext>
+                    </a:extLst>
+                  </p:cNvPr>
+                  <p:cNvSpPr txBox="1"/>
+                  <p:nvPr/>
+                </p:nvSpPr>
+                <p:spPr>
+                  <a:xfrm>
+                    <a:off x="1230489" y="3606801"/>
+                    <a:ext cx="564449" cy="369332"/>
+                  </a:xfrm>
+                  <a:prstGeom prst="rect">
+                    <a:avLst/>
+                  </a:prstGeom>
+                  <a:noFill/>
+                </p:spPr>
+                <p:txBody>
+                  <a:bodyPr wrap="square" rtlCol="0">
+                    <a:spAutoFit/>
+                  </a:bodyPr>
+                  <a:lstStyle/>
+                  <a:p>
+                    <a:pPr algn="ctr"/>
+                    <a:r>
+                      <a:rPr kumimoji="1" lang="en-US" altLang="ko-KR" dirty="0">
+                        <a:latin typeface="Times New Roman" panose="02020603050405020304" pitchFamily="18" charset="0"/>
+                        <a:cs typeface="Times New Roman" panose="02020603050405020304" pitchFamily="18" charset="0"/>
+                      </a:rPr>
+                      <a:t>Or</a:t>
+                    </a:r>
+                    <a:endParaRPr kumimoji="1" lang="ko-KR" altLang="en-US" dirty="0">
+                      <a:latin typeface="Times New Roman" panose="02020603050405020304" pitchFamily="18" charset="0"/>
+                      <a:cs typeface="Times New Roman" panose="02020603050405020304" pitchFamily="18" charset="0"/>
+                    </a:endParaRPr>
+                  </a:p>
+                </p:txBody>
+              </p:sp>
+              <p:grpSp>
+                <p:nvGrpSpPr>
+                  <p:cNvPr id="28" name="그룹 27">
+                    <a:extLst>
+                      <a:ext uri="{FF2B5EF4-FFF2-40B4-BE49-F238E27FC236}">
+                        <a16:creationId xmlns:a16="http://schemas.microsoft.com/office/drawing/2014/main" id="{09432C33-6E64-282B-BA39-5046D0BEBB01}"/>
+                      </a:ext>
+                    </a:extLst>
+                  </p:cNvPr>
+                  <p:cNvGrpSpPr/>
+                  <p:nvPr/>
+                </p:nvGrpSpPr>
+                <p:grpSpPr>
+                  <a:xfrm>
+                    <a:off x="598307" y="4219482"/>
+                    <a:ext cx="1941682" cy="735231"/>
+                    <a:chOff x="541871" y="4253469"/>
+                    <a:chExt cx="1941682" cy="735231"/>
+                  </a:xfrm>
+                </p:grpSpPr>
+                <p:sp>
+                  <p:nvSpPr>
+                    <p:cNvPr id="24" name="TextBox 23">
+                      <a:extLst>
+                        <a:ext uri="{FF2B5EF4-FFF2-40B4-BE49-F238E27FC236}">
+                          <a16:creationId xmlns:a16="http://schemas.microsoft.com/office/drawing/2014/main" id="{50CD0155-F7BC-CAB0-5120-EB9DBEA4FB54}"/>
+                        </a:ext>
+                      </a:extLst>
+                    </p:cNvPr>
+                    <p:cNvSpPr txBox="1"/>
+                    <p:nvPr/>
+                  </p:nvSpPr>
+                  <p:spPr>
+                    <a:xfrm>
+                      <a:off x="1190979" y="4253469"/>
+                      <a:ext cx="643467" cy="369332"/>
+                    </a:xfrm>
+                    <a:prstGeom prst="rect">
+                      <a:avLst/>
+                    </a:prstGeom>
+                    <a:noFill/>
+                  </p:spPr>
+                  <p:txBody>
+                    <a:bodyPr wrap="square" rtlCol="0">
+                      <a:spAutoFit/>
+                    </a:bodyPr>
+                    <a:lstStyle/>
+                    <a:p>
+                      <a:r>
+                        <a:rPr kumimoji="1" lang="en-US" altLang="ko-KR" b="1" dirty="0" err="1">
+                          <a:latin typeface="Times New Roman" panose="02020603050405020304" pitchFamily="18" charset="0"/>
+                          <a:cs typeface="Times New Roman" panose="02020603050405020304" pitchFamily="18" charset="0"/>
+                        </a:rPr>
+                        <a:t>Wrk</a:t>
+                      </a:r>
+                      <a:endParaRPr kumimoji="1" lang="ko-KR" altLang="en-US" b="1" dirty="0">
+                        <a:latin typeface="Times New Roman" panose="02020603050405020304" pitchFamily="18" charset="0"/>
+                        <a:cs typeface="Times New Roman" panose="02020603050405020304" pitchFamily="18" charset="0"/>
+                      </a:endParaRPr>
+                    </a:p>
+                  </p:txBody>
+                </p:sp>
+                <p:sp>
+                  <p:nvSpPr>
+                    <p:cNvPr id="27" name="TextBox 26">
+                      <a:extLst>
+                        <a:ext uri="{FF2B5EF4-FFF2-40B4-BE49-F238E27FC236}">
+                          <a16:creationId xmlns:a16="http://schemas.microsoft.com/office/drawing/2014/main" id="{31BAC4D1-9070-E205-C8F6-7D55C62FFDC6}"/>
+                        </a:ext>
+                      </a:extLst>
+                    </p:cNvPr>
+                    <p:cNvSpPr txBox="1"/>
+                    <p:nvPr/>
+                  </p:nvSpPr>
+                  <p:spPr>
+                    <a:xfrm>
+                      <a:off x="541871" y="4711701"/>
+                      <a:ext cx="1941682" cy="276999"/>
+                    </a:xfrm>
+                    <a:prstGeom prst="rect">
+                      <a:avLst/>
+                    </a:prstGeom>
+                    <a:noFill/>
+                  </p:spPr>
+                  <p:txBody>
+                    <a:bodyPr wrap="square" rtlCol="0">
+                      <a:spAutoFit/>
+                    </a:bodyPr>
+                    <a:lstStyle/>
+                    <a:p>
+                      <a:r>
+                        <a:rPr kumimoji="1" lang="ko-KR" altLang="en-US" sz="1200" dirty="0">
+                          <a:latin typeface="Times New Roman" panose="02020603050405020304" pitchFamily="18" charset="0"/>
+                          <a:cs typeface="Times New Roman" panose="02020603050405020304" pitchFamily="18" charset="0"/>
+                        </a:rPr>
+                        <a:t>모던 웹 성능 테스트 도구</a:t>
+                      </a:r>
+                    </a:p>
+                  </p:txBody>
+                </p:sp>
+              </p:grpSp>
+              <p:sp>
+                <p:nvSpPr>
+                  <p:cNvPr id="29" name="모서리가 둥근 직사각형 28">
+                    <a:extLst>
+                      <a:ext uri="{FF2B5EF4-FFF2-40B4-BE49-F238E27FC236}">
+                        <a16:creationId xmlns:a16="http://schemas.microsoft.com/office/drawing/2014/main" id="{9BD39B4C-49BE-B139-ED81-FFEA848D18A9}"/>
+                      </a:ext>
+                    </a:extLst>
+                  </p:cNvPr>
+                  <p:cNvSpPr/>
+                  <p:nvPr/>
+                </p:nvSpPr>
+                <p:spPr>
+                  <a:xfrm>
+                    <a:off x="507996" y="2517302"/>
+                    <a:ext cx="2031994" cy="2645761"/>
+                  </a:xfrm>
+                  <a:prstGeom prst="roundRect">
+                    <a:avLst>
+                      <a:gd name="adj" fmla="val 8652"/>
+                    </a:avLst>
+                  </a:prstGeom>
+                  <a:noFill/>
+                </p:spPr>
+                <p:style>
+                  <a:lnRef idx="2">
+                    <a:schemeClr val="accent1">
+                      <a:shade val="50000"/>
+                    </a:schemeClr>
+                  </a:lnRef>
+                  <a:fillRef idx="1">
+                    <a:schemeClr val="accent1"/>
+                  </a:fillRef>
+                  <a:effectRef idx="0">
+                    <a:schemeClr val="accent1"/>
+                  </a:effectRef>
+                  <a:fontRef idx="minor">
+                    <a:schemeClr val="lt1"/>
+                  </a:fontRef>
+                </p:style>
+                <p:txBody>
+                  <a:bodyPr rtlCol="0" anchor="ctr"/>
+                  <a:lstStyle/>
+                  <a:p>
+                    <a:pPr algn="ctr"/>
+                    <a:endParaRPr kumimoji="1" lang="ko-KR" altLang="en-US">
+                      <a:latin typeface="Times New Roman" panose="02020603050405020304" pitchFamily="18" charset="0"/>
+                      <a:cs typeface="Times New Roman" panose="02020603050405020304" pitchFamily="18" charset="0"/>
+                    </a:endParaRPr>
+                  </a:p>
+                </p:txBody>
+              </p:sp>
+            </p:grpSp>
+            <p:sp>
+              <p:nvSpPr>
+                <p:cNvPr id="31" name="TextBox 30">
+                  <a:extLst>
+                    <a:ext uri="{FF2B5EF4-FFF2-40B4-BE49-F238E27FC236}">
+                      <a16:creationId xmlns:a16="http://schemas.microsoft.com/office/drawing/2014/main" id="{AB592E93-08B1-D56A-59F7-E4E1CD606FE3}"/>
+                    </a:ext>
+                  </a:extLst>
+                </p:cNvPr>
+                <p:cNvSpPr txBox="1"/>
+                <p:nvPr/>
+              </p:nvSpPr>
+              <p:spPr>
+                <a:xfrm>
+                  <a:off x="6383862" y="547569"/>
+                  <a:ext cx="2675469" cy="369332"/>
+                </a:xfrm>
+                <a:prstGeom prst="rect">
+                  <a:avLst/>
+                </a:prstGeom>
+                <a:noFill/>
+              </p:spPr>
+              <p:txBody>
+                <a:bodyPr wrap="square" rtlCol="0">
+                  <a:spAutoFit/>
+                </a:bodyPr>
+                <a:lstStyle/>
+                <a:p>
+                  <a:pPr algn="ctr"/>
+                  <a:r>
+                    <a:rPr kumimoji="1" lang="en-US" altLang="ko-KR" dirty="0">
+                      <a:latin typeface="Times New Roman" panose="02020603050405020304" pitchFamily="18" charset="0"/>
+                      <a:cs typeface="Times New Roman" panose="02020603050405020304" pitchFamily="18" charset="0"/>
+                    </a:rPr>
+                    <a:t>My Home Server Cluster</a:t>
+                  </a:r>
+                  <a:endParaRPr kumimoji="1" lang="ko-KR" altLang="en-US" dirty="0">
+                    <a:latin typeface="Times New Roman" panose="02020603050405020304" pitchFamily="18" charset="0"/>
+                    <a:cs typeface="Times New Roman" panose="02020603050405020304" pitchFamily="18" charset="0"/>
+                  </a:endParaRPr>
+                </a:p>
+              </p:txBody>
+            </p:sp>
+            <p:pic>
+              <p:nvPicPr>
+                <p:cNvPr id="36" name="그림 35" descr="폰트, 그래픽, 로고, 그래픽 디자인이(가) 표시된 사진&#10;&#10;자동 생성된 설명">
+                  <a:extLst>
+                    <a:ext uri="{FF2B5EF4-FFF2-40B4-BE49-F238E27FC236}">
+                      <a16:creationId xmlns:a16="http://schemas.microsoft.com/office/drawing/2014/main" id="{94135F35-3021-B35E-6FCB-2E43016D7ABD}"/>
+                    </a:ext>
+                  </a:extLst>
+                </p:cNvPr>
+                <p:cNvPicPr>
+                  <a:picLocks noChangeAspect="1"/>
+                </p:cNvPicPr>
+                <p:nvPr/>
+              </p:nvPicPr>
+              <p:blipFill>
+                <a:blip r:embed="rId4"/>
+                <a:stretch>
+                  <a:fillRect/>
+                </a:stretch>
+              </p:blipFill>
+              <p:spPr>
+                <a:xfrm>
+                  <a:off x="3904056" y="2033467"/>
+                  <a:ext cx="1375454" cy="1375454"/>
+                </a:xfrm>
+                <a:prstGeom prst="rect">
+                  <a:avLst/>
+                </a:prstGeom>
+              </p:spPr>
+            </p:pic>
+            <p:pic>
+              <p:nvPicPr>
+                <p:cNvPr id="40" name="그림 39" descr="그래픽, 그래픽 디자인, 디자인, 창의성이(가) 표시된 사진&#10;&#10;자동 생성된 설명">
+                  <a:extLst>
+                    <a:ext uri="{FF2B5EF4-FFF2-40B4-BE49-F238E27FC236}">
+                      <a16:creationId xmlns:a16="http://schemas.microsoft.com/office/drawing/2014/main" id="{96748E4E-B04C-50F0-75BE-A4401B294FED}"/>
+                    </a:ext>
+                  </a:extLst>
+                </p:cNvPr>
+                <p:cNvPicPr>
+                  <a:picLocks noChangeAspect="1"/>
+                </p:cNvPicPr>
+                <p:nvPr/>
+              </p:nvPicPr>
+              <p:blipFill>
+                <a:blip r:embed="rId5"/>
+                <a:stretch>
+                  <a:fillRect/>
+                </a:stretch>
+              </p:blipFill>
+              <p:spPr>
+                <a:xfrm>
+                  <a:off x="10497796" y="2216599"/>
+                  <a:ext cx="994290" cy="994290"/>
+                </a:xfrm>
+                <a:prstGeom prst="rect">
+                  <a:avLst/>
+                </a:prstGeom>
+              </p:spPr>
+            </p:pic>
+            <p:sp>
+              <p:nvSpPr>
+                <p:cNvPr id="41" name="TextBox 40">
+                  <a:extLst>
+                    <a:ext uri="{FF2B5EF4-FFF2-40B4-BE49-F238E27FC236}">
+                      <a16:creationId xmlns:a16="http://schemas.microsoft.com/office/drawing/2014/main" id="{773229D1-9F3B-F54B-2A92-D022BC98B9CF}"/>
+                    </a:ext>
+                  </a:extLst>
+                </p:cNvPr>
+                <p:cNvSpPr txBox="1"/>
+                <p:nvPr/>
+              </p:nvSpPr>
+              <p:spPr>
+                <a:xfrm>
+                  <a:off x="3575984" y="3609771"/>
+                  <a:ext cx="2031984" cy="646331"/>
+                </a:xfrm>
+                <a:prstGeom prst="rect">
+                  <a:avLst/>
+                </a:prstGeom>
+                <a:noFill/>
+              </p:spPr>
+              <p:txBody>
+                <a:bodyPr wrap="square" rtlCol="0">
+                  <a:spAutoFit/>
+                </a:bodyPr>
+                <a:lstStyle/>
+                <a:p>
+                  <a:pPr algn="ctr"/>
+                  <a:r>
+                    <a:rPr kumimoji="1" lang="en-US" altLang="ko-KR" dirty="0">
+                      <a:latin typeface="Times New Roman" panose="02020603050405020304" pitchFamily="18" charset="0"/>
+                      <a:cs typeface="Times New Roman" panose="02020603050405020304" pitchFamily="18" charset="0"/>
+                    </a:rPr>
+                    <a:t>My Home Reverse</a:t>
+                  </a:r>
+                </a:p>
+                <a:p>
+                  <a:pPr algn="ctr"/>
+                  <a:r>
+                    <a:rPr kumimoji="1" lang="en-US" altLang="ko-KR" dirty="0">
+                      <a:latin typeface="Times New Roman" panose="02020603050405020304" pitchFamily="18" charset="0"/>
+                      <a:cs typeface="Times New Roman" panose="02020603050405020304" pitchFamily="18" charset="0"/>
+                    </a:rPr>
+                    <a:t>Proxy Server</a:t>
+                  </a:r>
+                  <a:endParaRPr kumimoji="1" lang="ko-KR" altLang="en-US" dirty="0">
+                    <a:latin typeface="Times New Roman" panose="02020603050405020304" pitchFamily="18" charset="0"/>
+                    <a:cs typeface="Times New Roman" panose="02020603050405020304" pitchFamily="18" charset="0"/>
+                  </a:endParaRPr>
+                </a:p>
+              </p:txBody>
+            </p:sp>
+            <p:cxnSp>
+              <p:nvCxnSpPr>
+                <p:cNvPr id="43" name="꺾인 연결선[E] 42">
+                  <a:extLst>
+                    <a:ext uri="{FF2B5EF4-FFF2-40B4-BE49-F238E27FC236}">
+                      <a16:creationId xmlns:a16="http://schemas.microsoft.com/office/drawing/2014/main" id="{DCACF1DE-302A-C42F-5833-C35A62A83630}"/>
+                    </a:ext>
+                  </a:extLst>
+                </p:cNvPr>
+                <p:cNvCxnSpPr>
+                  <a:cxnSpLocks/>
+                  <a:stCxn id="36" idx="3"/>
+                  <a:endCxn id="2" idx="1"/>
+                </p:cNvCxnSpPr>
+                <p:nvPr/>
+              </p:nvCxnSpPr>
+              <p:spPr>
+                <a:xfrm flipV="1">
+                  <a:off x="5279510" y="1716444"/>
+                  <a:ext cx="1166444" cy="1004750"/>
+                </a:xfrm>
+                <a:prstGeom prst="bentConnector3">
+                  <a:avLst/>
+                </a:prstGeom>
+                <a:ln>
+                  <a:tailEnd type="triangle"/>
+                </a:ln>
+              </p:spPr>
+              <p:style>
+                <a:lnRef idx="1">
+                  <a:schemeClr val="dk1"/>
+                </a:lnRef>
+                <a:fillRef idx="0">
+                  <a:schemeClr val="dk1"/>
+                </a:fillRef>
+                <a:effectRef idx="0">
+                  <a:schemeClr val="dk1"/>
+                </a:effectRef>
+                <a:fontRef idx="minor">
+                  <a:schemeClr val="tx1"/>
+                </a:fontRef>
+              </p:style>
+            </p:cxnSp>
+            <p:cxnSp>
+              <p:nvCxnSpPr>
+                <p:cNvPr id="44" name="꺾인 연결선[E] 43">
+                  <a:extLst>
+                    <a:ext uri="{FF2B5EF4-FFF2-40B4-BE49-F238E27FC236}">
+                      <a16:creationId xmlns:a16="http://schemas.microsoft.com/office/drawing/2014/main" id="{4F7ACF33-885D-ECA9-22A7-FDE90CBBF278}"/>
+                    </a:ext>
+                  </a:extLst>
+                </p:cNvPr>
+                <p:cNvCxnSpPr>
+                  <a:cxnSpLocks/>
+                  <a:stCxn id="36" idx="3"/>
+                  <a:endCxn id="38" idx="1"/>
+                </p:cNvCxnSpPr>
+                <p:nvPr/>
+              </p:nvCxnSpPr>
+              <p:spPr>
+                <a:xfrm>
+                  <a:off x="5279510" y="2721194"/>
+                  <a:ext cx="1165198" cy="635866"/>
+                </a:xfrm>
+                <a:prstGeom prst="bentConnector3">
+                  <a:avLst/>
+                </a:prstGeom>
+                <a:ln>
+                  <a:tailEnd type="triangle"/>
+                </a:ln>
+              </p:spPr>
+              <p:style>
+                <a:lnRef idx="1">
+                  <a:schemeClr val="dk1"/>
+                </a:lnRef>
+                <a:fillRef idx="0">
+                  <a:schemeClr val="dk1"/>
+                </a:fillRef>
+                <a:effectRef idx="0">
+                  <a:schemeClr val="dk1"/>
+                </a:effectRef>
+                <a:fontRef idx="minor">
+                  <a:schemeClr val="tx1"/>
+                </a:fontRef>
+              </p:style>
+            </p:cxnSp>
+            <p:cxnSp>
+              <p:nvCxnSpPr>
+                <p:cNvPr id="21" name="직선 화살표 연결선 20">
+                  <a:extLst>
+                    <a:ext uri="{FF2B5EF4-FFF2-40B4-BE49-F238E27FC236}">
+                      <a16:creationId xmlns:a16="http://schemas.microsoft.com/office/drawing/2014/main" id="{86BB642E-FFFC-7643-5090-682DFE8E90E8}"/>
+                    </a:ext>
+                  </a:extLst>
+                </p:cNvPr>
+                <p:cNvCxnSpPr>
+                  <a:stCxn id="29" idx="3"/>
+                </p:cNvCxnSpPr>
+                <p:nvPr/>
+              </p:nvCxnSpPr>
+              <p:spPr>
+                <a:xfrm flipV="1">
+                  <a:off x="2723100" y="2768277"/>
+                  <a:ext cx="1001599" cy="0"/>
+                </a:xfrm>
+                <a:prstGeom prst="straightConnector1">
+                  <a:avLst/>
+                </a:prstGeom>
+                <a:ln>
+                  <a:tailEnd type="triangle"/>
+                </a:ln>
+              </p:spPr>
+              <p:style>
+                <a:lnRef idx="1">
+                  <a:schemeClr val="dk1"/>
+                </a:lnRef>
+                <a:fillRef idx="0">
+                  <a:schemeClr val="dk1"/>
+                </a:fillRef>
+                <a:effectRef idx="0">
+                  <a:schemeClr val="dk1"/>
+                </a:effectRef>
+                <a:fontRef idx="minor">
+                  <a:schemeClr val="tx1"/>
+                </a:fontRef>
+              </p:style>
+            </p:cxnSp>
+            <p:sp>
+              <p:nvSpPr>
+                <p:cNvPr id="22" name="TextBox 21">
+                  <a:extLst>
+                    <a:ext uri="{FF2B5EF4-FFF2-40B4-BE49-F238E27FC236}">
+                      <a16:creationId xmlns:a16="http://schemas.microsoft.com/office/drawing/2014/main" id="{3D89359F-7761-0292-35C1-462B2D20CA90}"/>
+                    </a:ext>
+                  </a:extLst>
+                </p:cNvPr>
+                <p:cNvSpPr txBox="1"/>
+                <p:nvPr/>
+              </p:nvSpPr>
+              <p:spPr>
+                <a:xfrm>
+                  <a:off x="3632227" y="4272286"/>
+                  <a:ext cx="1919111" cy="369332"/>
+                </a:xfrm>
+                <a:prstGeom prst="rect">
+                  <a:avLst/>
+                </a:prstGeom>
+                <a:noFill/>
+              </p:spPr>
+              <p:txBody>
+                <a:bodyPr wrap="square" rtlCol="0">
+                  <a:spAutoFit/>
+                </a:bodyPr>
+                <a:lstStyle/>
+                <a:p>
+                  <a:pPr algn="ctr"/>
+                  <a:r>
+                    <a:rPr kumimoji="1" lang="en-US" altLang="ko-KR" dirty="0">
+                      <a:latin typeface="Times New Roman" panose="02020603050405020304" pitchFamily="18" charset="0"/>
+                      <a:cs typeface="Times New Roman" panose="02020603050405020304" pitchFamily="18" charset="0"/>
+                    </a:rPr>
+                    <a:t>As Load Balance</a:t>
+                  </a:r>
+                  <a:endParaRPr kumimoji="1" lang="ko-KR" altLang="en-US" dirty="0">
+                    <a:latin typeface="Times New Roman" panose="02020603050405020304" pitchFamily="18" charset="0"/>
+                    <a:cs typeface="Times New Roman" panose="02020603050405020304" pitchFamily="18" charset="0"/>
+                  </a:endParaRPr>
+                </a:p>
+              </p:txBody>
+            </p:sp>
+            <p:sp>
+              <p:nvSpPr>
+                <p:cNvPr id="5" name="TextBox 4"/>
+                <p:cNvSpPr txBox="1"/>
+                <p:nvPr/>
+              </p:nvSpPr>
+              <p:spPr>
+                <a:xfrm>
+                  <a:off x="6292250" y="5388906"/>
+                  <a:ext cx="2813539" cy="307777"/>
+                </a:xfrm>
+                <a:prstGeom prst="rect">
+                  <a:avLst/>
+                </a:prstGeom>
+                <a:noFill/>
+              </p:spPr>
+              <p:txBody>
+                <a:bodyPr wrap="square" rtlCol="0">
+                  <a:spAutoFit/>
+                </a:bodyPr>
+                <a:lstStyle/>
+                <a:p>
+                  <a:pPr algn="ctr"/>
+                  <a:r>
+                    <a:rPr lang="en-US" altLang="ko-KR" sz="1400" dirty="0" smtClean="0">
+                      <a:latin typeface="Times New Roman" panose="02020603050405020304" pitchFamily="18" charset="0"/>
+                      <a:cs typeface="Times New Roman" panose="02020603050405020304" pitchFamily="18" charset="0"/>
+                    </a:rPr>
+                    <a:t>My Nexus Repo Server</a:t>
+                  </a:r>
+                  <a:endParaRPr lang="ko-KR" altLang="en-US" sz="1400" dirty="0">
+                    <a:latin typeface="Times New Roman" panose="02020603050405020304" pitchFamily="18" charset="0"/>
+                    <a:cs typeface="Times New Roman" panose="02020603050405020304" pitchFamily="18" charset="0"/>
+                  </a:endParaRPr>
+                </a:p>
+              </p:txBody>
+            </p:sp>
+          </p:grpSp>
+          <p:pic>
+            <p:nvPicPr>
+              <p:cNvPr id="19" name="그림 18"/>
+              <p:cNvPicPr>
+                <a:picLocks noChangeAspect="1"/>
+              </p:cNvPicPr>
+              <p:nvPr/>
+            </p:nvPicPr>
+            <p:blipFill>
+              <a:blip r:embed="rId6">
+                <a:extLst>
+                  <a:ext uri="{28A0092B-C50C-407E-A947-70E740481C1C}">
+                    <a14:useLocalDpi xmlns:a14="http://schemas.microsoft.com/office/drawing/2010/main" val="0"/>
+                  </a:ext>
+                </a:extLst>
+              </a:blip>
+              <a:stretch>
+                <a:fillRect/>
+              </a:stretch>
+            </p:blipFill>
+            <p:spPr>
+              <a:xfrm>
+                <a:off x="7159523" y="1221639"/>
+                <a:ext cx="1127046" cy="581244"/>
+              </a:xfrm>
+              <a:prstGeom prst="rect">
+                <a:avLst/>
+              </a:prstGeom>
+            </p:spPr>
+          </p:pic>
+        </p:grpSp>
         <p:sp>
           <p:nvSpPr>
-            <p:cNvPr id="11" name="원통[C] 10">
+            <p:cNvPr id="38" name="직사각형 37">
               <a:extLst>
                 <a:ext uri="{FF2B5EF4-FFF2-40B4-BE49-F238E27FC236}">
-                  <a16:creationId xmlns:a16="http://schemas.microsoft.com/office/drawing/2014/main" id="{9B8C22AF-F98A-7CF6-F19E-9A6B5DDFD937}"/>
+                  <a16:creationId xmlns:a16="http://schemas.microsoft.com/office/drawing/2014/main" id="{1EC67183-7717-6543-714F-C0FACB9BD048}"/>
                 </a:ext>
               </a:extLst>
             </p:cNvPr>
@@ -5554,10 +6487,10 @@
           </p:nvSpPr>
           <p:spPr>
             <a:xfrm>
-              <a:off x="9347201" y="2751286"/>
-              <a:ext cx="1501421" cy="1580445"/>
+              <a:off x="6444708" y="2755575"/>
+              <a:ext cx="2551289" cy="1202969"/>
             </a:xfrm>
-            <a:prstGeom prst="can">
+            <a:prstGeom prst="rect">
               <a:avLst/>
             </a:prstGeom>
             <a:noFill/>
@@ -5583,758 +6516,97 @@
             <a:lstStyle/>
             <a:p>
               <a:pPr algn="ctr"/>
-              <a:endParaRPr kumimoji="1" lang="ko-KR" altLang="en-US">
+              <a:endParaRPr kumimoji="1" lang="en-US" altLang="ko-KR" dirty="0" smtClean="0">
+                <a:solidFill>
+                  <a:schemeClr val="tx1"/>
+                </a:solidFill>
+                <a:latin typeface="Times New Roman" panose="02020603050405020304" pitchFamily="18" charset="0"/>
+                <a:cs typeface="Times New Roman" panose="02020603050405020304" pitchFamily="18" charset="0"/>
+              </a:endParaRPr>
+            </a:p>
+            <a:p>
+              <a:pPr algn="ctr"/>
+              <a:endParaRPr kumimoji="1" lang="en-US" altLang="ko-KR" dirty="0" smtClean="0">
+                <a:solidFill>
+                  <a:schemeClr val="tx1"/>
+                </a:solidFill>
+                <a:latin typeface="Times New Roman" panose="02020603050405020304" pitchFamily="18" charset="0"/>
+                <a:cs typeface="Times New Roman" panose="02020603050405020304" pitchFamily="18" charset="0"/>
+              </a:endParaRPr>
+            </a:p>
+            <a:p>
+              <a:pPr algn="ctr"/>
+              <a:r>
+                <a:rPr kumimoji="1" lang="en-US" altLang="ko-KR" dirty="0" smtClean="0">
+                  <a:solidFill>
+                    <a:schemeClr val="tx1"/>
+                  </a:solidFill>
+                  <a:latin typeface="Times New Roman" panose="02020603050405020304" pitchFamily="18" charset="0"/>
+                  <a:cs typeface="Times New Roman" panose="02020603050405020304" pitchFamily="18" charset="0"/>
+                </a:rPr>
+                <a:t>2</a:t>
+              </a:r>
+              <a:r>
+                <a:rPr kumimoji="1" lang="en-US" altLang="ko-KR" baseline="30000" dirty="0" smtClean="0">
+                  <a:solidFill>
+                    <a:schemeClr val="tx1"/>
+                  </a:solidFill>
+                  <a:latin typeface="Times New Roman" panose="02020603050405020304" pitchFamily="18" charset="0"/>
+                  <a:cs typeface="Times New Roman" panose="02020603050405020304" pitchFamily="18" charset="0"/>
+                </a:rPr>
+                <a:t>nd</a:t>
+              </a:r>
+              <a:r>
+                <a:rPr kumimoji="1" lang="en-US" altLang="ko-KR" dirty="0" smtClean="0">
+                  <a:solidFill>
+                    <a:schemeClr val="tx1"/>
+                  </a:solidFill>
+                  <a:latin typeface="Times New Roman" panose="02020603050405020304" pitchFamily="18" charset="0"/>
+                  <a:cs typeface="Times New Roman" panose="02020603050405020304" pitchFamily="18" charset="0"/>
+                </a:rPr>
+                <a:t> Application</a:t>
+              </a:r>
+              <a:endParaRPr kumimoji="1" lang="ko-KR" altLang="en-US" dirty="0">
+                <a:solidFill>
+                  <a:schemeClr val="tx1"/>
+                </a:solidFill>
                 <a:latin typeface="Times New Roman" panose="02020603050405020304" pitchFamily="18" charset="0"/>
                 <a:cs typeface="Times New Roman" panose="02020603050405020304" pitchFamily="18" charset="0"/>
               </a:endParaRPr>
             </a:p>
           </p:txBody>
         </p:sp>
-        <p:sp>
-          <p:nvSpPr>
-            <p:cNvPr id="14" name="TextBox 13">
-              <a:extLst>
-                <a:ext uri="{FF2B5EF4-FFF2-40B4-BE49-F238E27FC236}">
-                  <a16:creationId xmlns:a16="http://schemas.microsoft.com/office/drawing/2014/main" id="{42328A53-0A7E-DBAE-C033-4BDEF72858CB}"/>
-                </a:ext>
-              </a:extLst>
-            </p:cNvPr>
-            <p:cNvSpPr txBox="1"/>
-            <p:nvPr/>
-          </p:nvSpPr>
-          <p:spPr>
-            <a:xfrm>
-              <a:off x="9347200" y="2257645"/>
-              <a:ext cx="1501421" cy="369332"/>
-            </a:xfrm>
-            <a:prstGeom prst="rect">
-              <a:avLst/>
-            </a:prstGeom>
-            <a:noFill/>
-          </p:spPr>
-          <p:txBody>
-            <a:bodyPr wrap="square" rtlCol="0">
-              <a:spAutoFit/>
-            </a:bodyPr>
-            <a:lstStyle/>
-            <a:p>
-              <a:pPr algn="ctr"/>
-              <a:r>
-                <a:rPr kumimoji="1" lang="en-US" altLang="ko-KR" dirty="0">
-                  <a:latin typeface="Times New Roman" panose="02020603050405020304" pitchFamily="18" charset="0"/>
-                  <a:cs typeface="Times New Roman" panose="02020603050405020304" pitchFamily="18" charset="0"/>
-                </a:rPr>
-                <a:t>MongoDB</a:t>
-              </a:r>
-              <a:endParaRPr kumimoji="1" lang="ko-KR" altLang="en-US" dirty="0">
-                <a:latin typeface="Times New Roman" panose="02020603050405020304" pitchFamily="18" charset="0"/>
-                <a:cs typeface="Times New Roman" panose="02020603050405020304" pitchFamily="18" charset="0"/>
-              </a:endParaRPr>
-            </a:p>
-          </p:txBody>
-        </p:sp>
-      </p:grpSp>
-      <p:cxnSp>
-        <p:nvCxnSpPr>
-          <p:cNvPr id="17" name="직선 화살표 연결선 16">
-            <a:extLst>
-              <a:ext uri="{FF2B5EF4-FFF2-40B4-BE49-F238E27FC236}">
-                <a16:creationId xmlns:a16="http://schemas.microsoft.com/office/drawing/2014/main" id="{6B4D1FA9-1BF8-A5C4-0849-19A28603ACC8}"/>
-              </a:ext>
-            </a:extLst>
-          </p:cNvPr>
-          <p:cNvCxnSpPr>
-            <a:stCxn id="2" idx="3"/>
-            <a:endCxn id="11" idx="2"/>
-          </p:cNvCxnSpPr>
-          <p:nvPr/>
-        </p:nvCxnSpPr>
-        <p:spPr>
-          <a:xfrm>
-            <a:off x="8997243" y="2071188"/>
-            <a:ext cx="1230492" cy="697089"/>
-          </a:xfrm>
-          <a:prstGeom prst="straightConnector1">
-            <a:avLst/>
-          </a:prstGeom>
-          <a:ln>
-            <a:tailEnd type="triangle"/>
-          </a:ln>
-        </p:spPr>
-        <p:style>
-          <a:lnRef idx="1">
-            <a:schemeClr val="dk1"/>
-          </a:lnRef>
-          <a:fillRef idx="0">
-            <a:schemeClr val="dk1"/>
-          </a:fillRef>
-          <a:effectRef idx="0">
-            <a:schemeClr val="dk1"/>
-          </a:effectRef>
-          <a:fontRef idx="minor">
-            <a:schemeClr val="tx1"/>
-          </a:fontRef>
-        </p:style>
-      </p:cxnSp>
-      <p:cxnSp>
-        <p:nvCxnSpPr>
-          <p:cNvPr id="18" name="직선 화살표 연결선 17">
-            <a:extLst>
-              <a:ext uri="{FF2B5EF4-FFF2-40B4-BE49-F238E27FC236}">
-                <a16:creationId xmlns:a16="http://schemas.microsoft.com/office/drawing/2014/main" id="{B3EF2006-B139-9EBE-BA5C-B89C6E0898D0}"/>
-              </a:ext>
-            </a:extLst>
-          </p:cNvPr>
-          <p:cNvCxnSpPr>
-            <a:cxnSpLocks/>
-            <a:stCxn id="3" idx="3"/>
-            <a:endCxn id="11" idx="2"/>
-          </p:cNvCxnSpPr>
-          <p:nvPr/>
-        </p:nvCxnSpPr>
-        <p:spPr>
-          <a:xfrm flipV="1">
-            <a:off x="8997242" y="2768277"/>
-            <a:ext cx="1230493" cy="640644"/>
-          </a:xfrm>
-          <a:prstGeom prst="straightConnector1">
-            <a:avLst/>
-          </a:prstGeom>
-          <a:ln>
-            <a:tailEnd type="triangle"/>
-          </a:ln>
-        </p:spPr>
-        <p:style>
-          <a:lnRef idx="1">
-            <a:schemeClr val="dk1"/>
-          </a:lnRef>
-          <a:fillRef idx="0">
-            <a:schemeClr val="dk1"/>
-          </a:fillRef>
-          <a:effectRef idx="0">
-            <a:schemeClr val="dk1"/>
-          </a:effectRef>
-          <a:fontRef idx="minor">
-            <a:schemeClr val="tx1"/>
-          </a:fontRef>
-        </p:style>
-      </p:cxnSp>
-      <p:sp>
-        <p:nvSpPr>
-          <p:cNvPr id="25" name="TextBox 24">
-            <a:extLst>
-              <a:ext uri="{FF2B5EF4-FFF2-40B4-BE49-F238E27FC236}">
-                <a16:creationId xmlns:a16="http://schemas.microsoft.com/office/drawing/2014/main" id="{580787D1-3FD3-5019-7BAA-55093AB74BC7}"/>
-              </a:ext>
-            </a:extLst>
-          </p:cNvPr>
-          <p:cNvSpPr txBox="1"/>
-          <p:nvPr/>
-        </p:nvSpPr>
-        <p:spPr>
-          <a:xfrm>
-            <a:off x="668533" y="1006887"/>
-            <a:ext cx="745066" cy="369332"/>
-          </a:xfrm>
-          <a:prstGeom prst="rect">
-            <a:avLst/>
-          </a:prstGeom>
-          <a:noFill/>
-        </p:spPr>
-        <p:txBody>
-          <a:bodyPr wrap="square" rtlCol="0">
-            <a:spAutoFit/>
-          </a:bodyPr>
-          <a:lstStyle/>
-          <a:p>
-            <a:pPr algn="ctr"/>
-            <a:r>
-              <a:rPr kumimoji="1" lang="en-US" altLang="ko-KR" dirty="0">
-                <a:latin typeface="Times New Roman" panose="02020603050405020304" pitchFamily="18" charset="0"/>
-                <a:cs typeface="Times New Roman" panose="02020603050405020304" pitchFamily="18" charset="0"/>
-              </a:rPr>
-              <a:t>Local</a:t>
-            </a:r>
-            <a:endParaRPr kumimoji="1" lang="ko-KR" altLang="en-US" dirty="0">
-              <a:latin typeface="Times New Roman" panose="02020603050405020304" pitchFamily="18" charset="0"/>
-              <a:cs typeface="Times New Roman" panose="02020603050405020304" pitchFamily="18" charset="0"/>
-            </a:endParaRPr>
-          </a:p>
-        </p:txBody>
-      </p:sp>
-      <p:grpSp>
-        <p:nvGrpSpPr>
-          <p:cNvPr id="30" name="그룹 29">
-            <a:extLst>
-              <a:ext uri="{FF2B5EF4-FFF2-40B4-BE49-F238E27FC236}">
-                <a16:creationId xmlns:a16="http://schemas.microsoft.com/office/drawing/2014/main" id="{5976F79D-2E84-9310-6131-A026D2B06BFD}"/>
-              </a:ext>
-            </a:extLst>
-          </p:cNvPr>
-          <p:cNvGrpSpPr/>
-          <p:nvPr/>
-        </p:nvGrpSpPr>
-        <p:grpSpPr>
-          <a:xfrm>
-            <a:off x="691106" y="1441512"/>
-            <a:ext cx="2031994" cy="2661162"/>
-            <a:chOff x="507996" y="2501901"/>
-            <a:chExt cx="2031994" cy="2661162"/>
-          </a:xfrm>
-        </p:grpSpPr>
         <p:pic>
           <p:nvPicPr>
-            <p:cNvPr id="13" name="그림 12" descr="펜, 필기구, 깃털이(가) 표시된 사진&#10;&#10;자동 생성된 설명">
-              <a:extLst>
-                <a:ext uri="{FF2B5EF4-FFF2-40B4-BE49-F238E27FC236}">
-                  <a16:creationId xmlns:a16="http://schemas.microsoft.com/office/drawing/2014/main" id="{E581B421-2633-E2DF-F97C-89197A0A37D6}"/>
-                </a:ext>
-              </a:extLst>
-            </p:cNvPr>
+            <p:cNvPr id="39" name="그림 38"/>
             <p:cNvPicPr>
               <a:picLocks noChangeAspect="1"/>
             </p:cNvPicPr>
             <p:nvPr/>
           </p:nvPicPr>
           <p:blipFill>
-            <a:blip r:embed="rId2"/>
+            <a:blip r:embed="rId6">
+              <a:extLst>
+                <a:ext uri="{28A0092B-C50C-407E-A947-70E740481C1C}">
+                  <a14:useLocalDpi xmlns:a14="http://schemas.microsoft.com/office/drawing/2010/main" val="0"/>
+                </a:ext>
+              </a:extLst>
+            </a:blip>
             <a:stretch>
               <a:fillRect/>
             </a:stretch>
           </p:blipFill>
           <p:spPr>
             <a:xfrm>
-              <a:off x="654748" y="2501901"/>
-              <a:ext cx="1828800" cy="1104900"/>
+              <a:off x="7158277" y="2862255"/>
+              <a:ext cx="1127046" cy="581244"/>
             </a:xfrm>
             <a:prstGeom prst="rect">
               <a:avLst/>
             </a:prstGeom>
           </p:spPr>
         </p:pic>
-        <p:sp>
-          <p:nvSpPr>
-            <p:cNvPr id="26" name="TextBox 25">
-              <a:extLst>
-                <a:ext uri="{FF2B5EF4-FFF2-40B4-BE49-F238E27FC236}">
-                  <a16:creationId xmlns:a16="http://schemas.microsoft.com/office/drawing/2014/main" id="{E8A414A0-5548-8AE1-03D8-27D8B9180B87}"/>
-                </a:ext>
-              </a:extLst>
-            </p:cNvPr>
-            <p:cNvSpPr txBox="1"/>
-            <p:nvPr/>
-          </p:nvSpPr>
-          <p:spPr>
-            <a:xfrm>
-              <a:off x="1230489" y="3606801"/>
-              <a:ext cx="564449" cy="369332"/>
-            </a:xfrm>
-            <a:prstGeom prst="rect">
-              <a:avLst/>
-            </a:prstGeom>
-            <a:noFill/>
-          </p:spPr>
-          <p:txBody>
-            <a:bodyPr wrap="square" rtlCol="0">
-              <a:spAutoFit/>
-            </a:bodyPr>
-            <a:lstStyle/>
-            <a:p>
-              <a:pPr algn="ctr"/>
-              <a:r>
-                <a:rPr kumimoji="1" lang="en-US" altLang="ko-KR" dirty="0">
-                  <a:latin typeface="Times New Roman" panose="02020603050405020304" pitchFamily="18" charset="0"/>
-                  <a:cs typeface="Times New Roman" panose="02020603050405020304" pitchFamily="18" charset="0"/>
-                </a:rPr>
-                <a:t>Or</a:t>
-              </a:r>
-              <a:endParaRPr kumimoji="1" lang="ko-KR" altLang="en-US" dirty="0">
-                <a:latin typeface="Times New Roman" panose="02020603050405020304" pitchFamily="18" charset="0"/>
-                <a:cs typeface="Times New Roman" panose="02020603050405020304" pitchFamily="18" charset="0"/>
-              </a:endParaRPr>
-            </a:p>
-          </p:txBody>
-        </p:sp>
-        <p:grpSp>
-          <p:nvGrpSpPr>
-            <p:cNvPr id="28" name="그룹 27">
-              <a:extLst>
-                <a:ext uri="{FF2B5EF4-FFF2-40B4-BE49-F238E27FC236}">
-                  <a16:creationId xmlns:a16="http://schemas.microsoft.com/office/drawing/2014/main" id="{09432C33-6E64-282B-BA39-5046D0BEBB01}"/>
-                </a:ext>
-              </a:extLst>
-            </p:cNvPr>
-            <p:cNvGrpSpPr/>
-            <p:nvPr/>
-          </p:nvGrpSpPr>
-          <p:grpSpPr>
-            <a:xfrm>
-              <a:off x="598307" y="4219482"/>
-              <a:ext cx="1941682" cy="735231"/>
-              <a:chOff x="541871" y="4253469"/>
-              <a:chExt cx="1941682" cy="735231"/>
-            </a:xfrm>
-          </p:grpSpPr>
-          <p:sp>
-            <p:nvSpPr>
-              <p:cNvPr id="24" name="TextBox 23">
-                <a:extLst>
-                  <a:ext uri="{FF2B5EF4-FFF2-40B4-BE49-F238E27FC236}">
-                    <a16:creationId xmlns:a16="http://schemas.microsoft.com/office/drawing/2014/main" id="{50CD0155-F7BC-CAB0-5120-EB9DBEA4FB54}"/>
-                  </a:ext>
-                </a:extLst>
-              </p:cNvPr>
-              <p:cNvSpPr txBox="1"/>
-              <p:nvPr/>
-            </p:nvSpPr>
-            <p:spPr>
-              <a:xfrm>
-                <a:off x="1190979" y="4253469"/>
-                <a:ext cx="643467" cy="369332"/>
-              </a:xfrm>
-              <a:prstGeom prst="rect">
-                <a:avLst/>
-              </a:prstGeom>
-              <a:noFill/>
-            </p:spPr>
-            <p:txBody>
-              <a:bodyPr wrap="square" rtlCol="0">
-                <a:spAutoFit/>
-              </a:bodyPr>
-              <a:lstStyle/>
-              <a:p>
-                <a:r>
-                  <a:rPr kumimoji="1" lang="en-US" altLang="ko-KR" b="1" dirty="0" err="1">
-                    <a:latin typeface="Times New Roman" panose="02020603050405020304" pitchFamily="18" charset="0"/>
-                    <a:cs typeface="Times New Roman" panose="02020603050405020304" pitchFamily="18" charset="0"/>
-                  </a:rPr>
-                  <a:t>Wrk</a:t>
-                </a:r>
-                <a:endParaRPr kumimoji="1" lang="ko-KR" altLang="en-US" b="1" dirty="0">
-                  <a:latin typeface="Times New Roman" panose="02020603050405020304" pitchFamily="18" charset="0"/>
-                  <a:cs typeface="Times New Roman" panose="02020603050405020304" pitchFamily="18" charset="0"/>
-                </a:endParaRPr>
-              </a:p>
-            </p:txBody>
-          </p:sp>
-          <p:sp>
-            <p:nvSpPr>
-              <p:cNvPr id="27" name="TextBox 26">
-                <a:extLst>
-                  <a:ext uri="{FF2B5EF4-FFF2-40B4-BE49-F238E27FC236}">
-                    <a16:creationId xmlns:a16="http://schemas.microsoft.com/office/drawing/2014/main" id="{31BAC4D1-9070-E205-C8F6-7D55C62FFDC6}"/>
-                  </a:ext>
-                </a:extLst>
-              </p:cNvPr>
-              <p:cNvSpPr txBox="1"/>
-              <p:nvPr/>
-            </p:nvSpPr>
-            <p:spPr>
-              <a:xfrm>
-                <a:off x="541871" y="4711701"/>
-                <a:ext cx="1941682" cy="276999"/>
-              </a:xfrm>
-              <a:prstGeom prst="rect">
-                <a:avLst/>
-              </a:prstGeom>
-              <a:noFill/>
-            </p:spPr>
-            <p:txBody>
-              <a:bodyPr wrap="square" rtlCol="0">
-                <a:spAutoFit/>
-              </a:bodyPr>
-              <a:lstStyle/>
-              <a:p>
-                <a:r>
-                  <a:rPr kumimoji="1" lang="ko-KR" altLang="en-US" sz="1200" dirty="0">
-                    <a:latin typeface="Times New Roman" panose="02020603050405020304" pitchFamily="18" charset="0"/>
-                    <a:cs typeface="Times New Roman" panose="02020603050405020304" pitchFamily="18" charset="0"/>
-                  </a:rPr>
-                  <a:t>모던 웹 성능 테스트 도구</a:t>
-                </a:r>
-              </a:p>
-            </p:txBody>
-          </p:sp>
-        </p:grpSp>
-        <p:sp>
-          <p:nvSpPr>
-            <p:cNvPr id="29" name="모서리가 둥근 직사각형 28">
-              <a:extLst>
-                <a:ext uri="{FF2B5EF4-FFF2-40B4-BE49-F238E27FC236}">
-                  <a16:creationId xmlns:a16="http://schemas.microsoft.com/office/drawing/2014/main" id="{9BD39B4C-49BE-B139-ED81-FFEA848D18A9}"/>
-                </a:ext>
-              </a:extLst>
-            </p:cNvPr>
-            <p:cNvSpPr/>
-            <p:nvPr/>
-          </p:nvSpPr>
-          <p:spPr>
-            <a:xfrm>
-              <a:off x="507996" y="2517302"/>
-              <a:ext cx="2031994" cy="2645761"/>
-            </a:xfrm>
-            <a:prstGeom prst="roundRect">
-              <a:avLst>
-                <a:gd name="adj" fmla="val 8652"/>
-              </a:avLst>
-            </a:prstGeom>
-            <a:noFill/>
-          </p:spPr>
-          <p:style>
-            <a:lnRef idx="2">
-              <a:schemeClr val="accent1">
-                <a:shade val="50000"/>
-              </a:schemeClr>
-            </a:lnRef>
-            <a:fillRef idx="1">
-              <a:schemeClr val="accent1"/>
-            </a:fillRef>
-            <a:effectRef idx="0">
-              <a:schemeClr val="accent1"/>
-            </a:effectRef>
-            <a:fontRef idx="minor">
-              <a:schemeClr val="lt1"/>
-            </a:fontRef>
-          </p:style>
-          <p:txBody>
-            <a:bodyPr rtlCol="0" anchor="ctr"/>
-            <a:lstStyle/>
-            <a:p>
-              <a:pPr algn="ctr"/>
-              <a:endParaRPr kumimoji="1" lang="ko-KR" altLang="en-US">
-                <a:latin typeface="Times New Roman" panose="02020603050405020304" pitchFamily="18" charset="0"/>
-                <a:cs typeface="Times New Roman" panose="02020603050405020304" pitchFamily="18" charset="0"/>
-              </a:endParaRPr>
-            </a:p>
-          </p:txBody>
-        </p:sp>
       </p:grpSp>
-      <p:sp>
-        <p:nvSpPr>
-          <p:cNvPr id="31" name="TextBox 30">
-            <a:extLst>
-              <a:ext uri="{FF2B5EF4-FFF2-40B4-BE49-F238E27FC236}">
-                <a16:creationId xmlns:a16="http://schemas.microsoft.com/office/drawing/2014/main" id="{AB592E93-08B1-D56A-59F7-E4E1CD606FE3}"/>
-              </a:ext>
-            </a:extLst>
-          </p:cNvPr>
-          <p:cNvSpPr txBox="1"/>
-          <p:nvPr/>
-        </p:nvSpPr>
-        <p:spPr>
-          <a:xfrm>
-            <a:off x="6468533" y="835434"/>
-            <a:ext cx="2675469" cy="369332"/>
-          </a:xfrm>
-          <a:prstGeom prst="rect">
-            <a:avLst/>
-          </a:prstGeom>
-          <a:noFill/>
-        </p:spPr>
-        <p:txBody>
-          <a:bodyPr wrap="square" rtlCol="0">
-            <a:spAutoFit/>
-          </a:bodyPr>
-          <a:lstStyle/>
-          <a:p>
-            <a:pPr algn="ctr"/>
-            <a:r>
-              <a:rPr kumimoji="1" lang="en-US" altLang="ko-KR" dirty="0">
-                <a:latin typeface="Times New Roman" panose="02020603050405020304" pitchFamily="18" charset="0"/>
-                <a:cs typeface="Times New Roman" panose="02020603050405020304" pitchFamily="18" charset="0"/>
-              </a:rPr>
-              <a:t>My Home Server Cluster</a:t>
-            </a:r>
-            <a:endParaRPr kumimoji="1" lang="ko-KR" altLang="en-US" dirty="0">
-              <a:latin typeface="Times New Roman" panose="02020603050405020304" pitchFamily="18" charset="0"/>
-              <a:cs typeface="Times New Roman" panose="02020603050405020304" pitchFamily="18" charset="0"/>
-            </a:endParaRPr>
-          </a:p>
-        </p:txBody>
-      </p:sp>
-      <p:pic>
-        <p:nvPicPr>
-          <p:cNvPr id="36" name="그림 35" descr="폰트, 그래픽, 로고, 그래픽 디자인이(가) 표시된 사진&#10;&#10;자동 생성된 설명">
-            <a:extLst>
-              <a:ext uri="{FF2B5EF4-FFF2-40B4-BE49-F238E27FC236}">
-                <a16:creationId xmlns:a16="http://schemas.microsoft.com/office/drawing/2014/main" id="{94135F35-3021-B35E-6FCB-2E43016D7ABD}"/>
-              </a:ext>
-            </a:extLst>
-          </p:cNvPr>
-          <p:cNvPicPr>
-            <a:picLocks noChangeAspect="1"/>
-          </p:cNvPicPr>
-          <p:nvPr/>
-        </p:nvPicPr>
-        <p:blipFill>
-          <a:blip r:embed="rId3"/>
-          <a:stretch>
-            <a:fillRect/>
-          </a:stretch>
-        </p:blipFill>
-        <p:spPr>
-          <a:xfrm>
-            <a:off x="3904056" y="2033467"/>
-            <a:ext cx="1375454" cy="1375454"/>
-          </a:xfrm>
-          <a:prstGeom prst="rect">
-            <a:avLst/>
-          </a:prstGeom>
-        </p:spPr>
-      </p:pic>
-      <p:pic>
-        <p:nvPicPr>
-          <p:cNvPr id="40" name="그림 39" descr="그래픽, 그래픽 디자인, 디자인, 창의성이(가) 표시된 사진&#10;&#10;자동 생성된 설명">
-            <a:extLst>
-              <a:ext uri="{FF2B5EF4-FFF2-40B4-BE49-F238E27FC236}">
-                <a16:creationId xmlns:a16="http://schemas.microsoft.com/office/drawing/2014/main" id="{96748E4E-B04C-50F0-75BE-A4401B294FED}"/>
-              </a:ext>
-            </a:extLst>
-          </p:cNvPr>
-          <p:cNvPicPr>
-            <a:picLocks noChangeAspect="1"/>
-          </p:cNvPicPr>
-          <p:nvPr/>
-        </p:nvPicPr>
-        <p:blipFill>
-          <a:blip r:embed="rId4"/>
-          <a:stretch>
-            <a:fillRect/>
-          </a:stretch>
-        </p:blipFill>
-        <p:spPr>
-          <a:xfrm>
-            <a:off x="10497796" y="2412544"/>
-            <a:ext cx="994290" cy="994290"/>
-          </a:xfrm>
-          <a:prstGeom prst="rect">
-            <a:avLst/>
-          </a:prstGeom>
-        </p:spPr>
-      </p:pic>
-      <p:sp>
-        <p:nvSpPr>
-          <p:cNvPr id="41" name="TextBox 40">
-            <a:extLst>
-              <a:ext uri="{FF2B5EF4-FFF2-40B4-BE49-F238E27FC236}">
-                <a16:creationId xmlns:a16="http://schemas.microsoft.com/office/drawing/2014/main" id="{773229D1-9F3B-F54B-2A92-D022BC98B9CF}"/>
-              </a:ext>
-            </a:extLst>
-          </p:cNvPr>
-          <p:cNvSpPr txBox="1"/>
-          <p:nvPr/>
-        </p:nvSpPr>
-        <p:spPr>
-          <a:xfrm>
-            <a:off x="3575984" y="3609771"/>
-            <a:ext cx="2031984" cy="646331"/>
-          </a:xfrm>
-          <a:prstGeom prst="rect">
-            <a:avLst/>
-          </a:prstGeom>
-          <a:noFill/>
-        </p:spPr>
-        <p:txBody>
-          <a:bodyPr wrap="square" rtlCol="0">
-            <a:spAutoFit/>
-          </a:bodyPr>
-          <a:lstStyle/>
-          <a:p>
-            <a:pPr algn="ctr"/>
-            <a:r>
-              <a:rPr kumimoji="1" lang="en-US" altLang="ko-KR" dirty="0">
-                <a:latin typeface="Times New Roman" panose="02020603050405020304" pitchFamily="18" charset="0"/>
-                <a:cs typeface="Times New Roman" panose="02020603050405020304" pitchFamily="18" charset="0"/>
-              </a:rPr>
-              <a:t>My Home Reverse</a:t>
-            </a:r>
-          </a:p>
-          <a:p>
-            <a:pPr algn="ctr"/>
-            <a:r>
-              <a:rPr kumimoji="1" lang="en-US" altLang="ko-KR" dirty="0">
-                <a:latin typeface="Times New Roman" panose="02020603050405020304" pitchFamily="18" charset="0"/>
-                <a:cs typeface="Times New Roman" panose="02020603050405020304" pitchFamily="18" charset="0"/>
-              </a:rPr>
-              <a:t>Proxy Server</a:t>
-            </a:r>
-            <a:endParaRPr kumimoji="1" lang="ko-KR" altLang="en-US" dirty="0">
-              <a:latin typeface="Times New Roman" panose="02020603050405020304" pitchFamily="18" charset="0"/>
-              <a:cs typeface="Times New Roman" panose="02020603050405020304" pitchFamily="18" charset="0"/>
-            </a:endParaRPr>
-          </a:p>
-        </p:txBody>
-      </p:sp>
-      <p:cxnSp>
-        <p:nvCxnSpPr>
-          <p:cNvPr id="43" name="꺾인 연결선[E] 42">
-            <a:extLst>
-              <a:ext uri="{FF2B5EF4-FFF2-40B4-BE49-F238E27FC236}">
-                <a16:creationId xmlns:a16="http://schemas.microsoft.com/office/drawing/2014/main" id="{DCACF1DE-302A-C42F-5833-C35A62A83630}"/>
-              </a:ext>
-            </a:extLst>
-          </p:cNvPr>
-          <p:cNvCxnSpPr>
-            <a:cxnSpLocks/>
-            <a:stCxn id="36" idx="3"/>
-            <a:endCxn id="2" idx="1"/>
-          </p:cNvCxnSpPr>
-          <p:nvPr/>
-        </p:nvCxnSpPr>
-        <p:spPr>
-          <a:xfrm flipV="1">
-            <a:off x="5279510" y="2071188"/>
-            <a:ext cx="1166444" cy="650006"/>
-          </a:xfrm>
-          <a:prstGeom prst="bentConnector3">
-            <a:avLst/>
-          </a:prstGeom>
-          <a:ln>
-            <a:tailEnd type="triangle"/>
-          </a:ln>
-        </p:spPr>
-        <p:style>
-          <a:lnRef idx="1">
-            <a:schemeClr val="dk1"/>
-          </a:lnRef>
-          <a:fillRef idx="0">
-            <a:schemeClr val="dk1"/>
-          </a:fillRef>
-          <a:effectRef idx="0">
-            <a:schemeClr val="dk1"/>
-          </a:effectRef>
-          <a:fontRef idx="minor">
-            <a:schemeClr val="tx1"/>
-          </a:fontRef>
-        </p:style>
-      </p:cxnSp>
-      <p:cxnSp>
-        <p:nvCxnSpPr>
-          <p:cNvPr id="44" name="꺾인 연결선[E] 43">
-            <a:extLst>
-              <a:ext uri="{FF2B5EF4-FFF2-40B4-BE49-F238E27FC236}">
-                <a16:creationId xmlns:a16="http://schemas.microsoft.com/office/drawing/2014/main" id="{4F7ACF33-885D-ECA9-22A7-FDE90CBBF278}"/>
-              </a:ext>
-            </a:extLst>
-          </p:cNvPr>
-          <p:cNvCxnSpPr>
-            <a:cxnSpLocks/>
-            <a:stCxn id="36" idx="3"/>
-            <a:endCxn id="3" idx="1"/>
-          </p:cNvCxnSpPr>
-          <p:nvPr/>
-        </p:nvCxnSpPr>
-        <p:spPr>
-          <a:xfrm>
-            <a:off x="5279510" y="2721194"/>
-            <a:ext cx="1166443" cy="687727"/>
-          </a:xfrm>
-          <a:prstGeom prst="bentConnector3">
-            <a:avLst/>
-          </a:prstGeom>
-          <a:ln>
-            <a:tailEnd type="triangle"/>
-          </a:ln>
-        </p:spPr>
-        <p:style>
-          <a:lnRef idx="1">
-            <a:schemeClr val="dk1"/>
-          </a:lnRef>
-          <a:fillRef idx="0">
-            <a:schemeClr val="dk1"/>
-          </a:fillRef>
-          <a:effectRef idx="0">
-            <a:schemeClr val="dk1"/>
-          </a:effectRef>
-          <a:fontRef idx="minor">
-            <a:schemeClr val="tx1"/>
-          </a:fontRef>
-        </p:style>
-      </p:cxnSp>
-      <p:cxnSp>
-        <p:nvCxnSpPr>
-          <p:cNvPr id="21" name="직선 화살표 연결선 20">
-            <a:extLst>
-              <a:ext uri="{FF2B5EF4-FFF2-40B4-BE49-F238E27FC236}">
-                <a16:creationId xmlns:a16="http://schemas.microsoft.com/office/drawing/2014/main" id="{86BB642E-FFFC-7643-5090-682DFE8E90E8}"/>
-              </a:ext>
-            </a:extLst>
-          </p:cNvPr>
-          <p:cNvCxnSpPr>
-            <a:stCxn id="29" idx="3"/>
-          </p:cNvCxnSpPr>
-          <p:nvPr/>
-        </p:nvCxnSpPr>
-        <p:spPr>
-          <a:xfrm flipV="1">
-            <a:off x="2723100" y="2768277"/>
-            <a:ext cx="1001599" cy="0"/>
-          </a:xfrm>
-          <a:prstGeom prst="straightConnector1">
-            <a:avLst/>
-          </a:prstGeom>
-          <a:ln>
-            <a:tailEnd type="triangle"/>
-          </a:ln>
-        </p:spPr>
-        <p:style>
-          <a:lnRef idx="1">
-            <a:schemeClr val="dk1"/>
-          </a:lnRef>
-          <a:fillRef idx="0">
-            <a:schemeClr val="dk1"/>
-          </a:fillRef>
-          <a:effectRef idx="0">
-            <a:schemeClr val="dk1"/>
-          </a:effectRef>
-          <a:fontRef idx="minor">
-            <a:schemeClr val="tx1"/>
-          </a:fontRef>
-        </p:style>
-      </p:cxnSp>
-      <p:sp>
-        <p:nvSpPr>
-          <p:cNvPr id="22" name="TextBox 21">
-            <a:extLst>
-              <a:ext uri="{FF2B5EF4-FFF2-40B4-BE49-F238E27FC236}">
-                <a16:creationId xmlns:a16="http://schemas.microsoft.com/office/drawing/2014/main" id="{3D89359F-7761-0292-35C1-462B2D20CA90}"/>
-              </a:ext>
-            </a:extLst>
-          </p:cNvPr>
-          <p:cNvSpPr txBox="1"/>
-          <p:nvPr/>
-        </p:nvSpPr>
-        <p:spPr>
-          <a:xfrm>
-            <a:off x="3632227" y="4272286"/>
-            <a:ext cx="1919111" cy="369332"/>
-          </a:xfrm>
-          <a:prstGeom prst="rect">
-            <a:avLst/>
-          </a:prstGeom>
-          <a:noFill/>
-        </p:spPr>
-        <p:txBody>
-          <a:bodyPr wrap="square" rtlCol="0">
-            <a:spAutoFit/>
-          </a:bodyPr>
-          <a:lstStyle/>
-          <a:p>
-            <a:pPr algn="ctr"/>
-            <a:r>
-              <a:rPr kumimoji="1" lang="en-US" altLang="ko-KR" dirty="0">
-                <a:latin typeface="Times New Roman" panose="02020603050405020304" pitchFamily="18" charset="0"/>
-                <a:cs typeface="Times New Roman" panose="02020603050405020304" pitchFamily="18" charset="0"/>
-              </a:rPr>
-              <a:t>As Load Balance</a:t>
-            </a:r>
-            <a:endParaRPr kumimoji="1" lang="ko-KR" altLang="en-US" dirty="0">
-              <a:latin typeface="Times New Roman" panose="02020603050405020304" pitchFamily="18" charset="0"/>
-              <a:cs typeface="Times New Roman" panose="02020603050405020304" pitchFamily="18" charset="0"/>
-            </a:endParaRPr>
-          </a:p>
-        </p:txBody>
-      </p:sp>
     </p:spTree>
     <p:extLst>
       <p:ext uri="{BB962C8B-B14F-4D97-AF65-F5344CB8AC3E}">

--- a/study/7.IdGenerator/Study PPT.pptx
+++ b/study/7.IdGenerator/Study PPT.pptx
@@ -264,7 +264,7 @@
           <a:p>
             <a:fld id="{7283A0E2-A24A-E04A-9CC6-978E95CF7822}" type="datetimeFigureOut">
               <a:rPr kumimoji="1" lang="ko-KR" altLang="en-US" smtClean="0"/>
-              <a:t>2024-06-12</a:t>
+              <a:t>2024-06-17</a:t>
             </a:fld>
             <a:endParaRPr kumimoji="1" lang="ko-KR" altLang="en-US"/>
           </a:p>
@@ -462,7 +462,7 @@
           <a:p>
             <a:fld id="{7283A0E2-A24A-E04A-9CC6-978E95CF7822}" type="datetimeFigureOut">
               <a:rPr kumimoji="1" lang="ko-KR" altLang="en-US" smtClean="0"/>
-              <a:t>2024-06-12</a:t>
+              <a:t>2024-06-17</a:t>
             </a:fld>
             <a:endParaRPr kumimoji="1" lang="ko-KR" altLang="en-US"/>
           </a:p>
@@ -670,7 +670,7 @@
           <a:p>
             <a:fld id="{7283A0E2-A24A-E04A-9CC6-978E95CF7822}" type="datetimeFigureOut">
               <a:rPr kumimoji="1" lang="ko-KR" altLang="en-US" smtClean="0"/>
-              <a:t>2024-06-12</a:t>
+              <a:t>2024-06-17</a:t>
             </a:fld>
             <a:endParaRPr kumimoji="1" lang="ko-KR" altLang="en-US"/>
           </a:p>
@@ -868,7 +868,7 @@
           <a:p>
             <a:fld id="{7283A0E2-A24A-E04A-9CC6-978E95CF7822}" type="datetimeFigureOut">
               <a:rPr kumimoji="1" lang="ko-KR" altLang="en-US" smtClean="0"/>
-              <a:t>2024-06-12</a:t>
+              <a:t>2024-06-17</a:t>
             </a:fld>
             <a:endParaRPr kumimoji="1" lang="ko-KR" altLang="en-US"/>
           </a:p>
@@ -1143,7 +1143,7 @@
           <a:p>
             <a:fld id="{7283A0E2-A24A-E04A-9CC6-978E95CF7822}" type="datetimeFigureOut">
               <a:rPr kumimoji="1" lang="ko-KR" altLang="en-US" smtClean="0"/>
-              <a:t>2024-06-12</a:t>
+              <a:t>2024-06-17</a:t>
             </a:fld>
             <a:endParaRPr kumimoji="1" lang="ko-KR" altLang="en-US"/>
           </a:p>
@@ -1408,7 +1408,7 @@
           <a:p>
             <a:fld id="{7283A0E2-A24A-E04A-9CC6-978E95CF7822}" type="datetimeFigureOut">
               <a:rPr kumimoji="1" lang="ko-KR" altLang="en-US" smtClean="0"/>
-              <a:t>2024-06-12</a:t>
+              <a:t>2024-06-17</a:t>
             </a:fld>
             <a:endParaRPr kumimoji="1" lang="ko-KR" altLang="en-US"/>
           </a:p>
@@ -1820,7 +1820,7 @@
           <a:p>
             <a:fld id="{7283A0E2-A24A-E04A-9CC6-978E95CF7822}" type="datetimeFigureOut">
               <a:rPr kumimoji="1" lang="ko-KR" altLang="en-US" smtClean="0"/>
-              <a:t>2024-06-12</a:t>
+              <a:t>2024-06-17</a:t>
             </a:fld>
             <a:endParaRPr kumimoji="1" lang="ko-KR" altLang="en-US"/>
           </a:p>
@@ -1961,7 +1961,7 @@
           <a:p>
             <a:fld id="{7283A0E2-A24A-E04A-9CC6-978E95CF7822}" type="datetimeFigureOut">
               <a:rPr kumimoji="1" lang="ko-KR" altLang="en-US" smtClean="0"/>
-              <a:t>2024-06-12</a:t>
+              <a:t>2024-06-17</a:t>
             </a:fld>
             <a:endParaRPr kumimoji="1" lang="ko-KR" altLang="en-US"/>
           </a:p>
@@ -2074,7 +2074,7 @@
           <a:p>
             <a:fld id="{7283A0E2-A24A-E04A-9CC6-978E95CF7822}" type="datetimeFigureOut">
               <a:rPr kumimoji="1" lang="ko-KR" altLang="en-US" smtClean="0"/>
-              <a:t>2024-06-12</a:t>
+              <a:t>2024-06-17</a:t>
             </a:fld>
             <a:endParaRPr kumimoji="1" lang="ko-KR" altLang="en-US"/>
           </a:p>
@@ -2385,7 +2385,7 @@
           <a:p>
             <a:fld id="{7283A0E2-A24A-E04A-9CC6-978E95CF7822}" type="datetimeFigureOut">
               <a:rPr kumimoji="1" lang="ko-KR" altLang="en-US" smtClean="0"/>
-              <a:t>2024-06-12</a:t>
+              <a:t>2024-06-17</a:t>
             </a:fld>
             <a:endParaRPr kumimoji="1" lang="ko-KR" altLang="en-US"/>
           </a:p>
@@ -2673,7 +2673,7 @@
           <a:p>
             <a:fld id="{7283A0E2-A24A-E04A-9CC6-978E95CF7822}" type="datetimeFigureOut">
               <a:rPr kumimoji="1" lang="ko-KR" altLang="en-US" smtClean="0"/>
-              <a:t>2024-06-12</a:t>
+              <a:t>2024-06-17</a:t>
             </a:fld>
             <a:endParaRPr kumimoji="1" lang="ko-KR" altLang="en-US"/>
           </a:p>
@@ -2914,7 +2914,7 @@
           <a:p>
             <a:fld id="{7283A0E2-A24A-E04A-9CC6-978E95CF7822}" type="datetimeFigureOut">
               <a:rPr kumimoji="1" lang="ko-KR" altLang="en-US" smtClean="0"/>
-              <a:t>2024-06-12</a:t>
+              <a:t>2024-06-17</a:t>
             </a:fld>
             <a:endParaRPr kumimoji="1" lang="ko-KR" altLang="en-US"/>
           </a:p>
@@ -6637,6 +6637,1344 @@
           <a:chExt cx="0" cy="0"/>
         </a:xfrm>
       </p:grpSpPr>
+      <p:grpSp>
+        <p:nvGrpSpPr>
+          <p:cNvPr id="81" name="그룹 80"/>
+          <p:cNvGrpSpPr/>
+          <p:nvPr/>
+        </p:nvGrpSpPr>
+        <p:grpSpPr>
+          <a:xfrm>
+            <a:off x="-330594" y="1566237"/>
+            <a:ext cx="5895728" cy="3383155"/>
+            <a:chOff x="-330594" y="1566237"/>
+            <a:chExt cx="5895728" cy="3383155"/>
+          </a:xfrm>
+        </p:grpSpPr>
+        <p:pic>
+          <p:nvPicPr>
+            <p:cNvPr id="30" name="그림 29" descr="폰트, 그래픽, 로고, 그래픽 디자인이(가) 표시된 사진&#10;&#10;자동 생성된 설명">
+              <a:extLst>
+                <a:ext uri="{FF2B5EF4-FFF2-40B4-BE49-F238E27FC236}">
+                  <a16:creationId xmlns:a16="http://schemas.microsoft.com/office/drawing/2014/main" id="{94135F35-3021-B35E-6FCB-2E43016D7ABD}"/>
+                </a:ext>
+              </a:extLst>
+            </p:cNvPr>
+            <p:cNvPicPr>
+              <a:picLocks noChangeAspect="1"/>
+            </p:cNvPicPr>
+            <p:nvPr/>
+          </p:nvPicPr>
+          <p:blipFill>
+            <a:blip r:embed="rId2"/>
+            <a:stretch>
+              <a:fillRect/>
+            </a:stretch>
+          </p:blipFill>
+          <p:spPr>
+            <a:xfrm>
+              <a:off x="-330594" y="2266902"/>
+              <a:ext cx="1913225" cy="1913225"/>
+            </a:xfrm>
+            <a:prstGeom prst="rect">
+              <a:avLst/>
+            </a:prstGeom>
+          </p:spPr>
+        </p:pic>
+        <p:grpSp>
+          <p:nvGrpSpPr>
+            <p:cNvPr id="31" name="그룹 30"/>
+            <p:cNvGrpSpPr/>
+            <p:nvPr/>
+          </p:nvGrpSpPr>
+          <p:grpSpPr>
+            <a:xfrm>
+              <a:off x="2914297" y="1566237"/>
+              <a:ext cx="2650837" cy="1531265"/>
+              <a:chOff x="5800436" y="323272"/>
+              <a:chExt cx="2650837" cy="1531265"/>
+            </a:xfrm>
+          </p:grpSpPr>
+          <p:grpSp>
+            <p:nvGrpSpPr>
+              <p:cNvPr id="41" name="그룹 40"/>
+              <p:cNvGrpSpPr/>
+              <p:nvPr/>
+            </p:nvGrpSpPr>
+            <p:grpSpPr>
+              <a:xfrm>
+                <a:off x="5800436" y="323272"/>
+                <a:ext cx="2650837" cy="1531265"/>
+                <a:chOff x="6788727" y="341745"/>
+                <a:chExt cx="2650837" cy="1531265"/>
+              </a:xfrm>
+            </p:grpSpPr>
+            <p:sp>
+              <p:nvSpPr>
+                <p:cNvPr id="44" name="모서리가 둥근 직사각형 43"/>
+                <p:cNvSpPr/>
+                <p:nvPr/>
+              </p:nvSpPr>
+              <p:spPr>
+                <a:xfrm>
+                  <a:off x="6927272" y="480291"/>
+                  <a:ext cx="2355273" cy="1246909"/>
+                </a:xfrm>
+                <a:prstGeom prst="roundRect">
+                  <a:avLst>
+                    <a:gd name="adj" fmla="val 11482"/>
+                  </a:avLst>
+                </a:prstGeom>
+              </p:spPr>
+              <p:style>
+                <a:lnRef idx="2">
+                  <a:schemeClr val="dk1"/>
+                </a:lnRef>
+                <a:fillRef idx="1">
+                  <a:schemeClr val="lt1"/>
+                </a:fillRef>
+                <a:effectRef idx="0">
+                  <a:schemeClr val="dk1"/>
+                </a:effectRef>
+                <a:fontRef idx="minor">
+                  <a:schemeClr val="dk1"/>
+                </a:fontRef>
+              </p:style>
+              <p:txBody>
+                <a:bodyPr rtlCol="0" anchor="ctr"/>
+                <a:lstStyle/>
+                <a:p>
+                  <a:pPr algn="ctr"/>
+                  <a:r>
+                    <a:rPr lang="en-US" altLang="ko-KR" sz="1600" dirty="0" smtClean="0">
+                      <a:solidFill>
+                        <a:schemeClr val="tx1"/>
+                      </a:solidFill>
+                    </a:rPr>
+                    <a:t>Application</a:t>
+                  </a:r>
+                  <a:endParaRPr lang="ko-KR" altLang="en-US" sz="1600" dirty="0">
+                    <a:solidFill>
+                      <a:schemeClr val="tx1"/>
+                    </a:solidFill>
+                  </a:endParaRPr>
+                </a:p>
+              </p:txBody>
+            </p:sp>
+            <p:sp>
+              <p:nvSpPr>
+                <p:cNvPr id="46" name="직사각형 45"/>
+                <p:cNvSpPr/>
+                <p:nvPr/>
+              </p:nvSpPr>
+              <p:spPr>
+                <a:xfrm>
+                  <a:off x="6788727" y="341745"/>
+                  <a:ext cx="2650837" cy="1531265"/>
+                </a:xfrm>
+                <a:prstGeom prst="rect">
+                  <a:avLst/>
+                </a:prstGeom>
+                <a:noFill/>
+                <a:ln>
+                  <a:solidFill>
+                    <a:srgbClr val="FF0000"/>
+                  </a:solidFill>
+                  <a:prstDash val="dash"/>
+                </a:ln>
+              </p:spPr>
+              <p:style>
+                <a:lnRef idx="2">
+                  <a:schemeClr val="accent1">
+                    <a:shade val="50000"/>
+                  </a:schemeClr>
+                </a:lnRef>
+                <a:fillRef idx="1">
+                  <a:schemeClr val="accent1"/>
+                </a:fillRef>
+                <a:effectRef idx="0">
+                  <a:schemeClr val="accent1"/>
+                </a:effectRef>
+                <a:fontRef idx="minor">
+                  <a:schemeClr val="lt1"/>
+                </a:fontRef>
+              </p:style>
+              <p:txBody>
+                <a:bodyPr rtlCol="0" anchor="ctr"/>
+                <a:lstStyle/>
+                <a:p>
+                  <a:pPr algn="ctr"/>
+                  <a:endParaRPr lang="ko-KR" altLang="en-US"/>
+                </a:p>
+              </p:txBody>
+            </p:sp>
+          </p:grpSp>
+          <p:sp>
+            <p:nvSpPr>
+              <p:cNvPr id="42" name="TextBox 41"/>
+              <p:cNvSpPr txBox="1"/>
+              <p:nvPr/>
+            </p:nvSpPr>
+            <p:spPr>
+              <a:xfrm>
+                <a:off x="6548581" y="1270352"/>
+                <a:ext cx="1154546" cy="307777"/>
+              </a:xfrm>
+              <a:prstGeom prst="rect">
+                <a:avLst/>
+              </a:prstGeom>
+              <a:noFill/>
+            </p:spPr>
+            <p:txBody>
+              <a:bodyPr wrap="square" rtlCol="0">
+                <a:spAutoFit/>
+              </a:bodyPr>
+              <a:lstStyle/>
+              <a:p>
+                <a:pPr algn="ctr"/>
+                <a:r>
+                  <a:rPr lang="en-US" altLang="ko-KR" sz="1400" dirty="0" smtClean="0"/>
+                  <a:t>Service A</a:t>
+                </a:r>
+              </a:p>
+            </p:txBody>
+          </p:sp>
+        </p:grpSp>
+        <p:grpSp>
+          <p:nvGrpSpPr>
+            <p:cNvPr id="32" name="그룹 31"/>
+            <p:cNvGrpSpPr/>
+            <p:nvPr/>
+          </p:nvGrpSpPr>
+          <p:grpSpPr>
+            <a:xfrm>
+              <a:off x="2914296" y="3418127"/>
+              <a:ext cx="2650837" cy="1531265"/>
+              <a:chOff x="5800436" y="323272"/>
+              <a:chExt cx="2650837" cy="1531265"/>
+            </a:xfrm>
+          </p:grpSpPr>
+          <p:grpSp>
+            <p:nvGrpSpPr>
+              <p:cNvPr id="35" name="그룹 34"/>
+              <p:cNvGrpSpPr/>
+              <p:nvPr/>
+            </p:nvGrpSpPr>
+            <p:grpSpPr>
+              <a:xfrm>
+                <a:off x="5800436" y="323272"/>
+                <a:ext cx="2650837" cy="1531265"/>
+                <a:chOff x="6788727" y="341745"/>
+                <a:chExt cx="2650837" cy="1531265"/>
+              </a:xfrm>
+            </p:grpSpPr>
+            <p:sp>
+              <p:nvSpPr>
+                <p:cNvPr id="38" name="모서리가 둥근 직사각형 37"/>
+                <p:cNvSpPr/>
+                <p:nvPr/>
+              </p:nvSpPr>
+              <p:spPr>
+                <a:xfrm>
+                  <a:off x="6927272" y="480291"/>
+                  <a:ext cx="2355273" cy="1246909"/>
+                </a:xfrm>
+                <a:prstGeom prst="roundRect">
+                  <a:avLst>
+                    <a:gd name="adj" fmla="val 11482"/>
+                  </a:avLst>
+                </a:prstGeom>
+              </p:spPr>
+              <p:style>
+                <a:lnRef idx="2">
+                  <a:schemeClr val="dk1"/>
+                </a:lnRef>
+                <a:fillRef idx="1">
+                  <a:schemeClr val="lt1"/>
+                </a:fillRef>
+                <a:effectRef idx="0">
+                  <a:schemeClr val="dk1"/>
+                </a:effectRef>
+                <a:fontRef idx="minor">
+                  <a:schemeClr val="dk1"/>
+                </a:fontRef>
+              </p:style>
+              <p:txBody>
+                <a:bodyPr rtlCol="0" anchor="ctr"/>
+                <a:lstStyle/>
+                <a:p>
+                  <a:pPr algn="ctr"/>
+                  <a:r>
+                    <a:rPr lang="en-US" altLang="ko-KR" sz="1600" dirty="0" smtClean="0">
+                      <a:solidFill>
+                        <a:schemeClr val="tx1"/>
+                      </a:solidFill>
+                    </a:rPr>
+                    <a:t>Application</a:t>
+                  </a:r>
+                  <a:endParaRPr lang="ko-KR" altLang="en-US" sz="1600" dirty="0">
+                    <a:solidFill>
+                      <a:schemeClr val="tx1"/>
+                    </a:solidFill>
+                  </a:endParaRPr>
+                </a:p>
+              </p:txBody>
+            </p:sp>
+            <p:sp>
+              <p:nvSpPr>
+                <p:cNvPr id="40" name="직사각형 39"/>
+                <p:cNvSpPr/>
+                <p:nvPr/>
+              </p:nvSpPr>
+              <p:spPr>
+                <a:xfrm>
+                  <a:off x="6788727" y="341745"/>
+                  <a:ext cx="2650837" cy="1531265"/>
+                </a:xfrm>
+                <a:prstGeom prst="rect">
+                  <a:avLst/>
+                </a:prstGeom>
+                <a:noFill/>
+                <a:ln>
+                  <a:solidFill>
+                    <a:schemeClr val="accent1">
+                      <a:lumMod val="75000"/>
+                    </a:schemeClr>
+                  </a:solidFill>
+                  <a:prstDash val="dash"/>
+                </a:ln>
+              </p:spPr>
+              <p:style>
+                <a:lnRef idx="2">
+                  <a:schemeClr val="accent1">
+                    <a:shade val="50000"/>
+                  </a:schemeClr>
+                </a:lnRef>
+                <a:fillRef idx="1">
+                  <a:schemeClr val="accent1"/>
+                </a:fillRef>
+                <a:effectRef idx="0">
+                  <a:schemeClr val="accent1"/>
+                </a:effectRef>
+                <a:fontRef idx="minor">
+                  <a:schemeClr val="lt1"/>
+                </a:fontRef>
+              </p:style>
+              <p:txBody>
+                <a:bodyPr rtlCol="0" anchor="ctr"/>
+                <a:lstStyle/>
+                <a:p>
+                  <a:pPr algn="ctr"/>
+                  <a:endParaRPr lang="ko-KR" altLang="en-US"/>
+                </a:p>
+              </p:txBody>
+            </p:sp>
+          </p:grpSp>
+          <p:sp>
+            <p:nvSpPr>
+              <p:cNvPr id="36" name="TextBox 35"/>
+              <p:cNvSpPr txBox="1"/>
+              <p:nvPr/>
+            </p:nvSpPr>
+            <p:spPr>
+              <a:xfrm>
+                <a:off x="6548581" y="1270352"/>
+                <a:ext cx="1154546" cy="307777"/>
+              </a:xfrm>
+              <a:prstGeom prst="rect">
+                <a:avLst/>
+              </a:prstGeom>
+              <a:noFill/>
+            </p:spPr>
+            <p:txBody>
+              <a:bodyPr wrap="square" rtlCol="0">
+                <a:spAutoFit/>
+              </a:bodyPr>
+              <a:lstStyle/>
+              <a:p>
+                <a:pPr algn="ctr"/>
+                <a:r>
+                  <a:rPr lang="en-US" altLang="ko-KR" sz="1400" dirty="0" smtClean="0"/>
+                  <a:t>Service B</a:t>
+                </a:r>
+              </a:p>
+            </p:txBody>
+          </p:sp>
+        </p:grpSp>
+        <p:cxnSp>
+          <p:nvCxnSpPr>
+            <p:cNvPr id="33" name="꺾인 연결선 32"/>
+            <p:cNvCxnSpPr>
+              <a:stCxn id="30" idx="3"/>
+              <a:endCxn id="46" idx="1"/>
+            </p:cNvCxnSpPr>
+            <p:nvPr/>
+          </p:nvCxnSpPr>
+          <p:spPr>
+            <a:xfrm flipV="1">
+              <a:off x="1582631" y="2331870"/>
+              <a:ext cx="1331666" cy="891645"/>
+            </a:xfrm>
+            <a:prstGeom prst="bentConnector3">
+              <a:avLst/>
+            </a:prstGeom>
+            <a:ln>
+              <a:tailEnd type="triangle"/>
+            </a:ln>
+          </p:spPr>
+          <p:style>
+            <a:lnRef idx="1">
+              <a:schemeClr val="dk1"/>
+            </a:lnRef>
+            <a:fillRef idx="0">
+              <a:schemeClr val="dk1"/>
+            </a:fillRef>
+            <a:effectRef idx="0">
+              <a:schemeClr val="dk1"/>
+            </a:effectRef>
+            <a:fontRef idx="minor">
+              <a:schemeClr val="tx1"/>
+            </a:fontRef>
+          </p:style>
+        </p:cxnSp>
+        <p:cxnSp>
+          <p:nvCxnSpPr>
+            <p:cNvPr id="34" name="꺾인 연결선 33"/>
+            <p:cNvCxnSpPr>
+              <a:stCxn id="30" idx="3"/>
+              <a:endCxn id="40" idx="1"/>
+            </p:cNvCxnSpPr>
+            <p:nvPr/>
+          </p:nvCxnSpPr>
+          <p:spPr>
+            <a:xfrm>
+              <a:off x="1582631" y="3223515"/>
+              <a:ext cx="1331665" cy="960245"/>
+            </a:xfrm>
+            <a:prstGeom prst="bentConnector3">
+              <a:avLst/>
+            </a:prstGeom>
+            <a:ln>
+              <a:tailEnd type="triangle"/>
+            </a:ln>
+          </p:spPr>
+          <p:style>
+            <a:lnRef idx="1">
+              <a:schemeClr val="dk1"/>
+            </a:lnRef>
+            <a:fillRef idx="0">
+              <a:schemeClr val="dk1"/>
+            </a:fillRef>
+            <a:effectRef idx="0">
+              <a:schemeClr val="dk1"/>
+            </a:effectRef>
+            <a:fontRef idx="minor">
+              <a:schemeClr val="tx1"/>
+            </a:fontRef>
+          </p:style>
+        </p:cxnSp>
+        <p:sp>
+          <p:nvSpPr>
+            <p:cNvPr id="49" name="TextBox 48"/>
+            <p:cNvSpPr txBox="1"/>
+            <p:nvPr/>
+          </p:nvSpPr>
+          <p:spPr>
+            <a:xfrm>
+              <a:off x="1182479" y="2858038"/>
+              <a:ext cx="1237672" cy="338554"/>
+            </a:xfrm>
+            <a:prstGeom prst="rect">
+              <a:avLst/>
+            </a:prstGeom>
+            <a:noFill/>
+          </p:spPr>
+          <p:txBody>
+            <a:bodyPr wrap="square" rtlCol="0">
+              <a:spAutoFit/>
+            </a:bodyPr>
+            <a:lstStyle/>
+            <a:p>
+              <a:pPr algn="ctr"/>
+              <a:r>
+                <a:rPr lang="en-US" altLang="ko-KR" sz="1600" dirty="0" smtClean="0">
+                  <a:latin typeface="Times New Roman" panose="02020603050405020304" pitchFamily="18" charset="0"/>
+                  <a:cs typeface="Times New Roman" panose="02020603050405020304" pitchFamily="18" charset="0"/>
+                </a:rPr>
+                <a:t>Routing</a:t>
+              </a:r>
+              <a:endParaRPr lang="ko-KR" altLang="en-US" sz="1600" dirty="0">
+                <a:latin typeface="Times New Roman" panose="02020603050405020304" pitchFamily="18" charset="0"/>
+                <a:cs typeface="Times New Roman" panose="02020603050405020304" pitchFamily="18" charset="0"/>
+              </a:endParaRPr>
+            </a:p>
+          </p:txBody>
+        </p:sp>
+      </p:grpSp>
+      <p:grpSp>
+        <p:nvGrpSpPr>
+          <p:cNvPr id="80" name="그룹 79"/>
+          <p:cNvGrpSpPr/>
+          <p:nvPr/>
+        </p:nvGrpSpPr>
+        <p:grpSpPr>
+          <a:xfrm>
+            <a:off x="5797510" y="240144"/>
+            <a:ext cx="6126636" cy="6161330"/>
+            <a:chOff x="5797510" y="240144"/>
+            <a:chExt cx="6126636" cy="6161330"/>
+          </a:xfrm>
+        </p:grpSpPr>
+        <p:pic>
+          <p:nvPicPr>
+            <p:cNvPr id="2" name="그림 1" descr="폰트, 그래픽, 로고, 그래픽 디자인이(가) 표시된 사진&#10;&#10;자동 생성된 설명">
+              <a:extLst>
+                <a:ext uri="{FF2B5EF4-FFF2-40B4-BE49-F238E27FC236}">
+                  <a16:creationId xmlns:a16="http://schemas.microsoft.com/office/drawing/2014/main" id="{94135F35-3021-B35E-6FCB-2E43016D7ABD}"/>
+                </a:ext>
+              </a:extLst>
+            </p:cNvPr>
+            <p:cNvPicPr>
+              <a:picLocks noChangeAspect="1"/>
+            </p:cNvPicPr>
+            <p:nvPr/>
+          </p:nvPicPr>
+          <p:blipFill>
+            <a:blip r:embed="rId2"/>
+            <a:stretch>
+              <a:fillRect/>
+            </a:stretch>
+          </p:blipFill>
+          <p:spPr>
+            <a:xfrm>
+              <a:off x="5797510" y="2326265"/>
+              <a:ext cx="1913225" cy="1913225"/>
+            </a:xfrm>
+            <a:prstGeom prst="rect">
+              <a:avLst/>
+            </a:prstGeom>
+          </p:spPr>
+        </p:pic>
+        <p:grpSp>
+          <p:nvGrpSpPr>
+            <p:cNvPr id="15" name="그룹 14"/>
+            <p:cNvGrpSpPr/>
+            <p:nvPr/>
+          </p:nvGrpSpPr>
+          <p:grpSpPr>
+            <a:xfrm>
+              <a:off x="9273309" y="240144"/>
+              <a:ext cx="2650837" cy="2923984"/>
+              <a:chOff x="5800436" y="323272"/>
+              <a:chExt cx="2650837" cy="2923984"/>
+            </a:xfrm>
+          </p:grpSpPr>
+          <p:grpSp>
+            <p:nvGrpSpPr>
+              <p:cNvPr id="8" name="그룹 7"/>
+              <p:cNvGrpSpPr/>
+              <p:nvPr/>
+            </p:nvGrpSpPr>
+            <p:grpSpPr>
+              <a:xfrm>
+                <a:off x="5800436" y="323272"/>
+                <a:ext cx="2650837" cy="2923984"/>
+                <a:chOff x="6788727" y="341745"/>
+                <a:chExt cx="2650837" cy="2923984"/>
+              </a:xfrm>
+            </p:grpSpPr>
+            <p:sp>
+              <p:nvSpPr>
+                <p:cNvPr id="3" name="모서리가 둥근 직사각형 2"/>
+                <p:cNvSpPr/>
+                <p:nvPr/>
+              </p:nvSpPr>
+              <p:spPr>
+                <a:xfrm>
+                  <a:off x="7305962" y="480291"/>
+                  <a:ext cx="2041238" cy="1246909"/>
+                </a:xfrm>
+                <a:prstGeom prst="roundRect">
+                  <a:avLst>
+                    <a:gd name="adj" fmla="val 11482"/>
+                  </a:avLst>
+                </a:prstGeom>
+              </p:spPr>
+              <p:style>
+                <a:lnRef idx="2">
+                  <a:schemeClr val="dk1"/>
+                </a:lnRef>
+                <a:fillRef idx="1">
+                  <a:schemeClr val="lt1"/>
+                </a:fillRef>
+                <a:effectRef idx="0">
+                  <a:schemeClr val="dk1"/>
+                </a:effectRef>
+                <a:fontRef idx="minor">
+                  <a:schemeClr val="dk1"/>
+                </a:fontRef>
+              </p:style>
+              <p:txBody>
+                <a:bodyPr rtlCol="0" anchor="ctr"/>
+                <a:lstStyle/>
+                <a:p>
+                  <a:pPr algn="ctr"/>
+                  <a:r>
+                    <a:rPr lang="en-US" altLang="ko-KR" sz="1600" dirty="0" smtClean="0">
+                      <a:solidFill>
+                        <a:schemeClr val="tx1"/>
+                      </a:solidFill>
+                    </a:rPr>
+                    <a:t>Application</a:t>
+                  </a:r>
+                  <a:endParaRPr lang="ko-KR" altLang="en-US" sz="1600" dirty="0">
+                    <a:solidFill>
+                      <a:schemeClr val="tx1"/>
+                    </a:solidFill>
+                  </a:endParaRPr>
+                </a:p>
+              </p:txBody>
+            </p:sp>
+            <p:sp>
+              <p:nvSpPr>
+                <p:cNvPr id="4" name="모서리가 둥근 직사각형 3"/>
+                <p:cNvSpPr/>
+                <p:nvPr/>
+              </p:nvSpPr>
+              <p:spPr>
+                <a:xfrm>
+                  <a:off x="7305961" y="1873010"/>
+                  <a:ext cx="2041238" cy="1246909"/>
+                </a:xfrm>
+                <a:prstGeom prst="roundRect">
+                  <a:avLst>
+                    <a:gd name="adj" fmla="val 11482"/>
+                  </a:avLst>
+                </a:prstGeom>
+              </p:spPr>
+              <p:style>
+                <a:lnRef idx="2">
+                  <a:schemeClr val="dk1"/>
+                </a:lnRef>
+                <a:fillRef idx="1">
+                  <a:schemeClr val="lt1"/>
+                </a:fillRef>
+                <a:effectRef idx="0">
+                  <a:schemeClr val="dk1"/>
+                </a:effectRef>
+                <a:fontRef idx="minor">
+                  <a:schemeClr val="dk1"/>
+                </a:fontRef>
+              </p:style>
+              <p:txBody>
+                <a:bodyPr rtlCol="0" anchor="ctr"/>
+                <a:lstStyle/>
+                <a:p>
+                  <a:pPr algn="ctr"/>
+                  <a:r>
+                    <a:rPr lang="en-US" altLang="ko-KR" sz="1600" dirty="0" smtClean="0">
+                      <a:solidFill>
+                        <a:schemeClr val="tx1"/>
+                      </a:solidFill>
+                    </a:rPr>
+                    <a:t>Application</a:t>
+                  </a:r>
+                  <a:endParaRPr lang="ko-KR" altLang="en-US" sz="1600" dirty="0">
+                    <a:solidFill>
+                      <a:schemeClr val="tx1"/>
+                    </a:solidFill>
+                  </a:endParaRPr>
+                </a:p>
+              </p:txBody>
+            </p:sp>
+            <p:sp>
+              <p:nvSpPr>
+                <p:cNvPr id="7" name="직사각형 6"/>
+                <p:cNvSpPr/>
+                <p:nvPr/>
+              </p:nvSpPr>
+              <p:spPr>
+                <a:xfrm>
+                  <a:off x="6788727" y="341745"/>
+                  <a:ext cx="2650837" cy="2923984"/>
+                </a:xfrm>
+                <a:prstGeom prst="rect">
+                  <a:avLst/>
+                </a:prstGeom>
+                <a:noFill/>
+                <a:ln>
+                  <a:solidFill>
+                    <a:srgbClr val="FF0000"/>
+                  </a:solidFill>
+                  <a:prstDash val="dash"/>
+                </a:ln>
+              </p:spPr>
+              <p:style>
+                <a:lnRef idx="2">
+                  <a:schemeClr val="accent1">
+                    <a:shade val="50000"/>
+                  </a:schemeClr>
+                </a:lnRef>
+                <a:fillRef idx="1">
+                  <a:schemeClr val="accent1"/>
+                </a:fillRef>
+                <a:effectRef idx="0">
+                  <a:schemeClr val="accent1"/>
+                </a:effectRef>
+                <a:fontRef idx="minor">
+                  <a:schemeClr val="lt1"/>
+                </a:fontRef>
+              </p:style>
+              <p:txBody>
+                <a:bodyPr rtlCol="0" anchor="ctr"/>
+                <a:lstStyle/>
+                <a:p>
+                  <a:pPr algn="ctr"/>
+                  <a:endParaRPr lang="ko-KR" altLang="en-US"/>
+                </a:p>
+              </p:txBody>
+            </p:sp>
+          </p:grpSp>
+          <p:sp>
+            <p:nvSpPr>
+              <p:cNvPr id="13" name="TextBox 12"/>
+              <p:cNvSpPr txBox="1"/>
+              <p:nvPr/>
+            </p:nvSpPr>
+            <p:spPr>
+              <a:xfrm>
+                <a:off x="6927270" y="1270352"/>
+                <a:ext cx="1000607" cy="307777"/>
+              </a:xfrm>
+              <a:prstGeom prst="rect">
+                <a:avLst/>
+              </a:prstGeom>
+              <a:noFill/>
+            </p:spPr>
+            <p:txBody>
+              <a:bodyPr wrap="square" rtlCol="0">
+                <a:spAutoFit/>
+              </a:bodyPr>
+              <a:lstStyle/>
+              <a:p>
+                <a:pPr algn="ctr"/>
+                <a:r>
+                  <a:rPr lang="en-US" altLang="ko-KR" sz="1400" dirty="0" smtClean="0"/>
+                  <a:t>Service A</a:t>
+                </a:r>
+              </a:p>
+            </p:txBody>
+          </p:sp>
+          <p:sp>
+            <p:nvSpPr>
+              <p:cNvPr id="14" name="TextBox 13"/>
+              <p:cNvSpPr txBox="1"/>
+              <p:nvPr/>
+            </p:nvSpPr>
+            <p:spPr>
+              <a:xfrm>
+                <a:off x="6927270" y="2657270"/>
+                <a:ext cx="1000607" cy="307777"/>
+              </a:xfrm>
+              <a:prstGeom prst="rect">
+                <a:avLst/>
+              </a:prstGeom>
+              <a:noFill/>
+            </p:spPr>
+            <p:txBody>
+              <a:bodyPr wrap="square" rtlCol="0">
+                <a:spAutoFit/>
+              </a:bodyPr>
+              <a:lstStyle/>
+              <a:p>
+                <a:pPr algn="ctr"/>
+                <a:r>
+                  <a:rPr lang="en-US" altLang="ko-KR" sz="1400" dirty="0" smtClean="0"/>
+                  <a:t>Service A</a:t>
+                </a:r>
+              </a:p>
+            </p:txBody>
+          </p:sp>
+        </p:grpSp>
+        <p:cxnSp>
+          <p:nvCxnSpPr>
+            <p:cNvPr id="24" name="꺾인 연결선 23"/>
+            <p:cNvCxnSpPr>
+              <a:stCxn id="2" idx="3"/>
+              <a:endCxn id="7" idx="1"/>
+            </p:cNvCxnSpPr>
+            <p:nvPr/>
+          </p:nvCxnSpPr>
+          <p:spPr>
+            <a:xfrm flipV="1">
+              <a:off x="7710735" y="1702136"/>
+              <a:ext cx="1562574" cy="1580742"/>
+            </a:xfrm>
+            <a:prstGeom prst="bentConnector3">
+              <a:avLst/>
+            </a:prstGeom>
+            <a:ln>
+              <a:tailEnd type="triangle"/>
+            </a:ln>
+          </p:spPr>
+          <p:style>
+            <a:lnRef idx="1">
+              <a:schemeClr val="dk1"/>
+            </a:lnRef>
+            <a:fillRef idx="0">
+              <a:schemeClr val="dk1"/>
+            </a:fillRef>
+            <a:effectRef idx="0">
+              <a:schemeClr val="dk1"/>
+            </a:effectRef>
+            <a:fontRef idx="minor">
+              <a:schemeClr val="tx1"/>
+            </a:fontRef>
+          </p:style>
+        </p:cxnSp>
+        <p:cxnSp>
+          <p:nvCxnSpPr>
+            <p:cNvPr id="25" name="꺾인 연결선 24"/>
+            <p:cNvCxnSpPr>
+              <a:stCxn id="2" idx="3"/>
+              <a:endCxn id="57" idx="1"/>
+            </p:cNvCxnSpPr>
+            <p:nvPr/>
+          </p:nvCxnSpPr>
+          <p:spPr>
+            <a:xfrm>
+              <a:off x="7710735" y="3282878"/>
+              <a:ext cx="1562574" cy="1656604"/>
+            </a:xfrm>
+            <a:prstGeom prst="bentConnector3">
+              <a:avLst/>
+            </a:prstGeom>
+            <a:ln>
+              <a:tailEnd type="triangle"/>
+            </a:ln>
+          </p:spPr>
+          <p:style>
+            <a:lnRef idx="1">
+              <a:schemeClr val="dk1"/>
+            </a:lnRef>
+            <a:fillRef idx="0">
+              <a:schemeClr val="dk1"/>
+            </a:fillRef>
+            <a:effectRef idx="0">
+              <a:schemeClr val="dk1"/>
+            </a:effectRef>
+            <a:fontRef idx="minor">
+              <a:schemeClr val="tx1"/>
+            </a:fontRef>
+          </p:style>
+        </p:cxnSp>
+        <p:sp>
+          <p:nvSpPr>
+            <p:cNvPr id="50" name="TextBox 49"/>
+            <p:cNvSpPr txBox="1"/>
+            <p:nvPr/>
+          </p:nvSpPr>
+          <p:spPr>
+            <a:xfrm>
+              <a:off x="7396697" y="2912947"/>
+              <a:ext cx="1237672" cy="338554"/>
+            </a:xfrm>
+            <a:prstGeom prst="rect">
+              <a:avLst/>
+            </a:prstGeom>
+            <a:noFill/>
+          </p:spPr>
+          <p:txBody>
+            <a:bodyPr wrap="square" rtlCol="0">
+              <a:spAutoFit/>
+            </a:bodyPr>
+            <a:lstStyle/>
+            <a:p>
+              <a:pPr algn="ctr"/>
+              <a:r>
+                <a:rPr lang="en-US" altLang="ko-KR" sz="1600" dirty="0" smtClean="0">
+                  <a:latin typeface="Times New Roman" panose="02020603050405020304" pitchFamily="18" charset="0"/>
+                  <a:cs typeface="Times New Roman" panose="02020603050405020304" pitchFamily="18" charset="0"/>
+                </a:rPr>
+                <a:t>Routing</a:t>
+              </a:r>
+              <a:endParaRPr lang="ko-KR" altLang="en-US" sz="1600" dirty="0">
+                <a:latin typeface="Times New Roman" panose="02020603050405020304" pitchFamily="18" charset="0"/>
+                <a:cs typeface="Times New Roman" panose="02020603050405020304" pitchFamily="18" charset="0"/>
+              </a:endParaRPr>
+            </a:p>
+          </p:txBody>
+        </p:sp>
+        <p:grpSp>
+          <p:nvGrpSpPr>
+            <p:cNvPr id="51" name="그룹 50"/>
+            <p:cNvGrpSpPr/>
+            <p:nvPr/>
+          </p:nvGrpSpPr>
+          <p:grpSpPr>
+            <a:xfrm>
+              <a:off x="9273309" y="3477490"/>
+              <a:ext cx="2650837" cy="2923984"/>
+              <a:chOff x="5800436" y="323272"/>
+              <a:chExt cx="2650837" cy="2923984"/>
+            </a:xfrm>
+          </p:grpSpPr>
+          <p:grpSp>
+            <p:nvGrpSpPr>
+              <p:cNvPr id="52" name="그룹 51"/>
+              <p:cNvGrpSpPr/>
+              <p:nvPr/>
+            </p:nvGrpSpPr>
+            <p:grpSpPr>
+              <a:xfrm>
+                <a:off x="5800436" y="323272"/>
+                <a:ext cx="2650837" cy="2923984"/>
+                <a:chOff x="6788727" y="341745"/>
+                <a:chExt cx="2650837" cy="2923984"/>
+              </a:xfrm>
+            </p:grpSpPr>
+            <p:sp>
+              <p:nvSpPr>
+                <p:cNvPr id="55" name="모서리가 둥근 직사각형 54"/>
+                <p:cNvSpPr/>
+                <p:nvPr/>
+              </p:nvSpPr>
+              <p:spPr>
+                <a:xfrm>
+                  <a:off x="7305962" y="480291"/>
+                  <a:ext cx="2041238" cy="1246909"/>
+                </a:xfrm>
+                <a:prstGeom prst="roundRect">
+                  <a:avLst>
+                    <a:gd name="adj" fmla="val 11482"/>
+                  </a:avLst>
+                </a:prstGeom>
+              </p:spPr>
+              <p:style>
+                <a:lnRef idx="2">
+                  <a:schemeClr val="dk1"/>
+                </a:lnRef>
+                <a:fillRef idx="1">
+                  <a:schemeClr val="lt1"/>
+                </a:fillRef>
+                <a:effectRef idx="0">
+                  <a:schemeClr val="dk1"/>
+                </a:effectRef>
+                <a:fontRef idx="minor">
+                  <a:schemeClr val="dk1"/>
+                </a:fontRef>
+              </p:style>
+              <p:txBody>
+                <a:bodyPr rtlCol="0" anchor="ctr"/>
+                <a:lstStyle/>
+                <a:p>
+                  <a:pPr algn="ctr"/>
+                  <a:r>
+                    <a:rPr lang="en-US" altLang="ko-KR" sz="1600" dirty="0" smtClean="0">
+                      <a:solidFill>
+                        <a:schemeClr val="tx1"/>
+                      </a:solidFill>
+                    </a:rPr>
+                    <a:t>Application</a:t>
+                  </a:r>
+                  <a:endParaRPr lang="ko-KR" altLang="en-US" sz="1600" dirty="0">
+                    <a:solidFill>
+                      <a:schemeClr val="tx1"/>
+                    </a:solidFill>
+                  </a:endParaRPr>
+                </a:p>
+              </p:txBody>
+            </p:sp>
+            <p:sp>
+              <p:nvSpPr>
+                <p:cNvPr id="56" name="모서리가 둥근 직사각형 55"/>
+                <p:cNvSpPr/>
+                <p:nvPr/>
+              </p:nvSpPr>
+              <p:spPr>
+                <a:xfrm>
+                  <a:off x="7305961" y="1873010"/>
+                  <a:ext cx="2041238" cy="1246909"/>
+                </a:xfrm>
+                <a:prstGeom prst="roundRect">
+                  <a:avLst>
+                    <a:gd name="adj" fmla="val 11482"/>
+                  </a:avLst>
+                </a:prstGeom>
+              </p:spPr>
+              <p:style>
+                <a:lnRef idx="2">
+                  <a:schemeClr val="dk1"/>
+                </a:lnRef>
+                <a:fillRef idx="1">
+                  <a:schemeClr val="lt1"/>
+                </a:fillRef>
+                <a:effectRef idx="0">
+                  <a:schemeClr val="dk1"/>
+                </a:effectRef>
+                <a:fontRef idx="minor">
+                  <a:schemeClr val="dk1"/>
+                </a:fontRef>
+              </p:style>
+              <p:txBody>
+                <a:bodyPr rtlCol="0" anchor="ctr"/>
+                <a:lstStyle/>
+                <a:p>
+                  <a:pPr algn="ctr"/>
+                  <a:r>
+                    <a:rPr lang="en-US" altLang="ko-KR" sz="1600" dirty="0" smtClean="0">
+                      <a:solidFill>
+                        <a:schemeClr val="tx1"/>
+                      </a:solidFill>
+                    </a:rPr>
+                    <a:t>Application</a:t>
+                  </a:r>
+                  <a:endParaRPr lang="ko-KR" altLang="en-US" sz="1600" dirty="0">
+                    <a:solidFill>
+                      <a:schemeClr val="tx1"/>
+                    </a:solidFill>
+                  </a:endParaRPr>
+                </a:p>
+              </p:txBody>
+            </p:sp>
+            <p:sp>
+              <p:nvSpPr>
+                <p:cNvPr id="57" name="직사각형 56"/>
+                <p:cNvSpPr/>
+                <p:nvPr/>
+              </p:nvSpPr>
+              <p:spPr>
+                <a:xfrm>
+                  <a:off x="6788727" y="341745"/>
+                  <a:ext cx="2650837" cy="2923984"/>
+                </a:xfrm>
+                <a:prstGeom prst="rect">
+                  <a:avLst/>
+                </a:prstGeom>
+                <a:noFill/>
+                <a:ln>
+                  <a:solidFill>
+                    <a:schemeClr val="accent1">
+                      <a:lumMod val="75000"/>
+                    </a:schemeClr>
+                  </a:solidFill>
+                  <a:prstDash val="dash"/>
+                </a:ln>
+              </p:spPr>
+              <p:style>
+                <a:lnRef idx="2">
+                  <a:schemeClr val="accent1">
+                    <a:shade val="50000"/>
+                  </a:schemeClr>
+                </a:lnRef>
+                <a:fillRef idx="1">
+                  <a:schemeClr val="accent1"/>
+                </a:fillRef>
+                <a:effectRef idx="0">
+                  <a:schemeClr val="accent1"/>
+                </a:effectRef>
+                <a:fontRef idx="minor">
+                  <a:schemeClr val="lt1"/>
+                </a:fontRef>
+              </p:style>
+              <p:txBody>
+                <a:bodyPr rtlCol="0" anchor="ctr"/>
+                <a:lstStyle/>
+                <a:p>
+                  <a:pPr algn="ctr"/>
+                  <a:endParaRPr lang="ko-KR" altLang="en-US"/>
+                </a:p>
+              </p:txBody>
+            </p:sp>
+          </p:grpSp>
+          <p:sp>
+            <p:nvSpPr>
+              <p:cNvPr id="53" name="TextBox 52"/>
+              <p:cNvSpPr txBox="1"/>
+              <p:nvPr/>
+            </p:nvSpPr>
+            <p:spPr>
+              <a:xfrm>
+                <a:off x="6927270" y="1270352"/>
+                <a:ext cx="1000607" cy="307777"/>
+              </a:xfrm>
+              <a:prstGeom prst="rect">
+                <a:avLst/>
+              </a:prstGeom>
+              <a:noFill/>
+            </p:spPr>
+            <p:txBody>
+              <a:bodyPr wrap="square" rtlCol="0">
+                <a:spAutoFit/>
+              </a:bodyPr>
+              <a:lstStyle/>
+              <a:p>
+                <a:pPr algn="ctr"/>
+                <a:r>
+                  <a:rPr lang="en-US" altLang="ko-KR" sz="1400" dirty="0" smtClean="0"/>
+                  <a:t>Service B</a:t>
+                </a:r>
+              </a:p>
+            </p:txBody>
+          </p:sp>
+          <p:sp>
+            <p:nvSpPr>
+              <p:cNvPr id="54" name="TextBox 53"/>
+              <p:cNvSpPr txBox="1"/>
+              <p:nvPr/>
+            </p:nvSpPr>
+            <p:spPr>
+              <a:xfrm>
+                <a:off x="6927270" y="2657270"/>
+                <a:ext cx="1000607" cy="307777"/>
+              </a:xfrm>
+              <a:prstGeom prst="rect">
+                <a:avLst/>
+              </a:prstGeom>
+              <a:noFill/>
+            </p:spPr>
+            <p:txBody>
+              <a:bodyPr wrap="square" rtlCol="0">
+                <a:spAutoFit/>
+              </a:bodyPr>
+              <a:lstStyle/>
+              <a:p>
+                <a:pPr algn="ctr"/>
+                <a:r>
+                  <a:rPr lang="en-US" altLang="ko-KR" sz="1400" dirty="0" smtClean="0"/>
+                  <a:t>Service B</a:t>
+                </a:r>
+              </a:p>
+            </p:txBody>
+          </p:sp>
+        </p:grpSp>
+        <p:cxnSp>
+          <p:nvCxnSpPr>
+            <p:cNvPr id="59" name="꺾인 연결선 58"/>
+            <p:cNvCxnSpPr>
+              <a:stCxn id="7" idx="1"/>
+              <a:endCxn id="3" idx="1"/>
+            </p:cNvCxnSpPr>
+            <p:nvPr/>
+          </p:nvCxnSpPr>
+          <p:spPr>
+            <a:xfrm rot="10800000" flipH="1">
+              <a:off x="9273308" y="1002146"/>
+              <a:ext cx="517235" cy="699991"/>
+            </a:xfrm>
+            <a:prstGeom prst="bentConnector3">
+              <a:avLst>
+                <a:gd name="adj1" fmla="val 43303"/>
+              </a:avLst>
+            </a:prstGeom>
+            <a:ln>
+              <a:tailEnd type="triangle"/>
+            </a:ln>
+          </p:spPr>
+          <p:style>
+            <a:lnRef idx="1">
+              <a:schemeClr val="dk1"/>
+            </a:lnRef>
+            <a:fillRef idx="0">
+              <a:schemeClr val="dk1"/>
+            </a:fillRef>
+            <a:effectRef idx="0">
+              <a:schemeClr val="dk1"/>
+            </a:effectRef>
+            <a:fontRef idx="minor">
+              <a:schemeClr val="tx1"/>
+            </a:fontRef>
+          </p:style>
+        </p:cxnSp>
+        <p:cxnSp>
+          <p:nvCxnSpPr>
+            <p:cNvPr id="63" name="꺾인 연결선 62"/>
+            <p:cNvCxnSpPr>
+              <a:stCxn id="7" idx="1"/>
+              <a:endCxn id="4" idx="1"/>
+            </p:cNvCxnSpPr>
+            <p:nvPr/>
+          </p:nvCxnSpPr>
+          <p:spPr>
+            <a:xfrm rot="10800000" flipH="1" flipV="1">
+              <a:off x="9273309" y="1702136"/>
+              <a:ext cx="517234" cy="692728"/>
+            </a:xfrm>
+            <a:prstGeom prst="bentConnector3">
+              <a:avLst>
+                <a:gd name="adj1" fmla="val 42991"/>
+              </a:avLst>
+            </a:prstGeom>
+            <a:ln>
+              <a:tailEnd type="triangle"/>
+            </a:ln>
+          </p:spPr>
+          <p:style>
+            <a:lnRef idx="1">
+              <a:schemeClr val="dk1"/>
+            </a:lnRef>
+            <a:fillRef idx="0">
+              <a:schemeClr val="dk1"/>
+            </a:fillRef>
+            <a:effectRef idx="0">
+              <a:schemeClr val="dk1"/>
+            </a:effectRef>
+            <a:fontRef idx="minor">
+              <a:schemeClr val="tx1"/>
+            </a:fontRef>
+          </p:style>
+        </p:cxnSp>
+        <p:sp>
+          <p:nvSpPr>
+            <p:cNvPr id="69" name="TextBox 68"/>
+            <p:cNvSpPr txBox="1"/>
+            <p:nvPr/>
+          </p:nvSpPr>
+          <p:spPr>
+            <a:xfrm>
+              <a:off x="8307294" y="591008"/>
+              <a:ext cx="1403927" cy="584775"/>
+            </a:xfrm>
+            <a:prstGeom prst="rect">
+              <a:avLst/>
+            </a:prstGeom>
+            <a:noFill/>
+          </p:spPr>
+          <p:txBody>
+            <a:bodyPr wrap="square" rtlCol="0">
+              <a:spAutoFit/>
+            </a:bodyPr>
+            <a:lstStyle/>
+            <a:p>
+              <a:pPr algn="ctr"/>
+              <a:r>
+                <a:rPr lang="en-US" altLang="ko-KR" sz="1600" dirty="0" smtClean="0">
+                  <a:latin typeface="Times New Roman" panose="02020603050405020304" pitchFamily="18" charset="0"/>
+                  <a:cs typeface="Times New Roman" panose="02020603050405020304" pitchFamily="18" charset="0"/>
+                </a:rPr>
+                <a:t>Load Balancing</a:t>
+              </a:r>
+              <a:endParaRPr lang="ko-KR" altLang="en-US" sz="1600" dirty="0">
+                <a:latin typeface="Times New Roman" panose="02020603050405020304" pitchFamily="18" charset="0"/>
+                <a:cs typeface="Times New Roman" panose="02020603050405020304" pitchFamily="18" charset="0"/>
+              </a:endParaRPr>
+            </a:p>
+          </p:txBody>
+        </p:sp>
+        <p:sp>
+          <p:nvSpPr>
+            <p:cNvPr id="70" name="TextBox 69"/>
+            <p:cNvSpPr txBox="1"/>
+            <p:nvPr/>
+          </p:nvSpPr>
+          <p:spPr>
+            <a:xfrm>
+              <a:off x="8307294" y="5708519"/>
+              <a:ext cx="1403927" cy="584775"/>
+            </a:xfrm>
+            <a:prstGeom prst="rect">
+              <a:avLst/>
+            </a:prstGeom>
+            <a:noFill/>
+          </p:spPr>
+          <p:txBody>
+            <a:bodyPr wrap="square" rtlCol="0">
+              <a:spAutoFit/>
+            </a:bodyPr>
+            <a:lstStyle/>
+            <a:p>
+              <a:pPr algn="ctr"/>
+              <a:r>
+                <a:rPr lang="en-US" altLang="ko-KR" sz="1600" dirty="0" smtClean="0">
+                  <a:latin typeface="Times New Roman" panose="02020603050405020304" pitchFamily="18" charset="0"/>
+                  <a:cs typeface="Times New Roman" panose="02020603050405020304" pitchFamily="18" charset="0"/>
+                </a:rPr>
+                <a:t>Load Balancing</a:t>
+              </a:r>
+              <a:endParaRPr lang="ko-KR" altLang="en-US" sz="1600" dirty="0">
+                <a:latin typeface="Times New Roman" panose="02020603050405020304" pitchFamily="18" charset="0"/>
+                <a:cs typeface="Times New Roman" panose="02020603050405020304" pitchFamily="18" charset="0"/>
+              </a:endParaRPr>
+            </a:p>
+          </p:txBody>
+        </p:sp>
+        <p:cxnSp>
+          <p:nvCxnSpPr>
+            <p:cNvPr id="71" name="꺾인 연결선 70"/>
+            <p:cNvCxnSpPr>
+              <a:stCxn id="57" idx="1"/>
+              <a:endCxn id="55" idx="1"/>
+            </p:cNvCxnSpPr>
+            <p:nvPr/>
+          </p:nvCxnSpPr>
+          <p:spPr>
+            <a:xfrm rot="10800000" flipH="1">
+              <a:off x="9273308" y="4239492"/>
+              <a:ext cx="517235" cy="699991"/>
+            </a:xfrm>
+            <a:prstGeom prst="bentConnector3">
+              <a:avLst>
+                <a:gd name="adj1" fmla="val 46875"/>
+              </a:avLst>
+            </a:prstGeom>
+            <a:ln>
+              <a:tailEnd type="triangle"/>
+            </a:ln>
+          </p:spPr>
+          <p:style>
+            <a:lnRef idx="1">
+              <a:schemeClr val="dk1"/>
+            </a:lnRef>
+            <a:fillRef idx="0">
+              <a:schemeClr val="dk1"/>
+            </a:fillRef>
+            <a:effectRef idx="0">
+              <a:schemeClr val="dk1"/>
+            </a:effectRef>
+            <a:fontRef idx="minor">
+              <a:schemeClr val="tx1"/>
+            </a:fontRef>
+          </p:style>
+        </p:cxnSp>
+        <p:cxnSp>
+          <p:nvCxnSpPr>
+            <p:cNvPr id="76" name="꺾인 연결선 75"/>
+            <p:cNvCxnSpPr>
+              <a:stCxn id="57" idx="1"/>
+              <a:endCxn id="56" idx="1"/>
+            </p:cNvCxnSpPr>
+            <p:nvPr/>
+          </p:nvCxnSpPr>
+          <p:spPr>
+            <a:xfrm rot="10800000" flipH="1" flipV="1">
+              <a:off x="9273309" y="4939482"/>
+              <a:ext cx="517234" cy="692728"/>
+            </a:xfrm>
+            <a:prstGeom prst="bentConnector3">
+              <a:avLst>
+                <a:gd name="adj1" fmla="val 46875"/>
+              </a:avLst>
+            </a:prstGeom>
+            <a:ln>
+              <a:tailEnd type="triangle"/>
+            </a:ln>
+          </p:spPr>
+          <p:style>
+            <a:lnRef idx="1">
+              <a:schemeClr val="dk1"/>
+            </a:lnRef>
+            <a:fillRef idx="0">
+              <a:schemeClr val="dk1"/>
+            </a:fillRef>
+            <a:effectRef idx="0">
+              <a:schemeClr val="dk1"/>
+            </a:effectRef>
+            <a:fontRef idx="minor">
+              <a:schemeClr val="tx1"/>
+            </a:fontRef>
+          </p:style>
+        </p:cxnSp>
+      </p:grpSp>
     </p:spTree>
     <p:extLst>
       <p:ext uri="{BB962C8B-B14F-4D97-AF65-F5344CB8AC3E}">
